--- a/124/NMOP/draft-ietf-nmop-yang-message-broker-integration-09.pptx
+++ b/124/NMOP/draft-ietf-nmop-yang-message-broker-integration-09.pptx
@@ -5,12 +5,13 @@
     <p:sldMasterId id="2147483648" r:id="rId1"/>
   </p:sldMasterIdLst>
   <p:notesMasterIdLst>
-    <p:notesMasterId r:id="rId5"/>
+    <p:notesMasterId r:id="rId6"/>
   </p:notesMasterIdLst>
   <p:sldIdLst>
     <p:sldId id="1041" r:id="rId2"/>
     <p:sldId id="2145706242" r:id="rId3"/>
     <p:sldId id="2145706243" r:id="rId4"/>
+    <p:sldId id="2145706244" r:id="rId5"/>
   </p:sldIdLst>
   <p:sldSz cx="12192000" cy="6858000"/>
   <p:notesSz cx="6858000" cy="9144000"/>
@@ -120,7 +121,7 @@
 <file path=ppt/revisionInfo.xml><?xml version="1.0" encoding="utf-8"?>
 <p1510:revInfo xmlns:a="http://schemas.openxmlformats.org/drawingml/2006/main" xmlns:r="http://schemas.openxmlformats.org/officeDocument/2006/relationships" xmlns:p1510="http://schemas.microsoft.com/office/powerpoint/2015/10/main">
   <p1510:revLst>
-    <p1510:client id="{1BAAA70E-921F-47F1-8CE8-3DD05F71A227}" v="18" dt="2025-10-25T08:23:19.839"/>
+    <p1510:client id="{1BAAA70E-921F-47F1-8CE8-3DD05F71A227}" v="29" dt="2025-10-26T12:52:24.813"/>
   </p1510:revLst>
 </p1510:revInfo>
 </file>
@@ -130,12 +131,12 @@
   <pc:docChgLst>
     <pc:chgData name="Graf Thomas, SCS-INI-NET-VNC-E2E" userId="487bc3e3-9ce7-4cdd-b7b4-8899ea88d289" providerId="ADAL" clId="{1BAAA70E-921F-47F1-8CE8-3DD05F71A227}"/>
     <pc:docChg chg="undo custSel addSld delSld modSld">
-      <pc:chgData name="Graf Thomas, SCS-INI-NET-VNC-E2E" userId="487bc3e3-9ce7-4cdd-b7b4-8899ea88d289" providerId="ADAL" clId="{1BAAA70E-921F-47F1-8CE8-3DD05F71A227}" dt="2025-10-25T08:23:41.651" v="1813" actId="113"/>
+      <pc:chgData name="Graf Thomas, SCS-INI-NET-VNC-E2E" userId="487bc3e3-9ce7-4cdd-b7b4-8899ea88d289" providerId="ADAL" clId="{1BAAA70E-921F-47F1-8CE8-3DD05F71A227}" dt="2025-10-26T13:02:30.235" v="2959" actId="21"/>
       <pc:docMkLst>
         <pc:docMk/>
       </pc:docMkLst>
       <pc:sldChg chg="modSp mod">
-        <pc:chgData name="Graf Thomas, SCS-INI-NET-VNC-E2E" userId="487bc3e3-9ce7-4cdd-b7b4-8899ea88d289" providerId="ADAL" clId="{1BAAA70E-921F-47F1-8CE8-3DD05F71A227}" dt="2025-10-25T06:54:40.471" v="18" actId="20577"/>
+        <pc:chgData name="Graf Thomas, SCS-INI-NET-VNC-E2E" userId="487bc3e3-9ce7-4cdd-b7b4-8899ea88d289" providerId="ADAL" clId="{1BAAA70E-921F-47F1-8CE8-3DD05F71A227}" dt="2025-10-26T12:53:11.272" v="2849" actId="20577"/>
         <pc:sldMkLst>
           <pc:docMk/>
           <pc:sldMk cId="3578665336" sldId="1041"/>
@@ -149,7 +150,7 @@
           </ac:spMkLst>
         </pc:spChg>
         <pc:spChg chg="mod">
-          <ac:chgData name="Graf Thomas, SCS-INI-NET-VNC-E2E" userId="487bc3e3-9ce7-4cdd-b7b4-8899ea88d289" providerId="ADAL" clId="{1BAAA70E-921F-47F1-8CE8-3DD05F71A227}" dt="2025-10-25T06:54:40.471" v="18" actId="20577"/>
+          <ac:chgData name="Graf Thomas, SCS-INI-NET-VNC-E2E" userId="487bc3e3-9ce7-4cdd-b7b4-8899ea88d289" providerId="ADAL" clId="{1BAAA70E-921F-47F1-8CE8-3DD05F71A227}" dt="2025-10-26T12:53:11.272" v="2849" actId="20577"/>
           <ac:spMkLst>
             <pc:docMk/>
             <pc:sldMk cId="3578665336" sldId="1041"/>
@@ -158,7 +159,7 @@
         </pc:spChg>
       </pc:sldChg>
       <pc:sldChg chg="addSp delSp modSp mod">
-        <pc:chgData name="Graf Thomas, SCS-INI-NET-VNC-E2E" userId="487bc3e3-9ce7-4cdd-b7b4-8899ea88d289" providerId="ADAL" clId="{1BAAA70E-921F-47F1-8CE8-3DD05F71A227}" dt="2025-10-25T08:23:21.783" v="1811" actId="6549"/>
+        <pc:chgData name="Graf Thomas, SCS-INI-NET-VNC-E2E" userId="487bc3e3-9ce7-4cdd-b7b4-8899ea88d289" providerId="ADAL" clId="{1BAAA70E-921F-47F1-8CE8-3DD05F71A227}" dt="2025-10-26T12:36:52.161" v="1823" actId="20577"/>
         <pc:sldMkLst>
           <pc:docMk/>
           <pc:sldMk cId="2617504443" sldId="2145706242"/>
@@ -172,7 +173,7 @@
           </ac:spMkLst>
         </pc:spChg>
         <pc:spChg chg="mod">
-          <ac:chgData name="Graf Thomas, SCS-INI-NET-VNC-E2E" userId="487bc3e3-9ce7-4cdd-b7b4-8899ea88d289" providerId="ADAL" clId="{1BAAA70E-921F-47F1-8CE8-3DD05F71A227}" dt="2025-10-25T08:23:21.783" v="1811" actId="6549"/>
+          <ac:chgData name="Graf Thomas, SCS-INI-NET-VNC-E2E" userId="487bc3e3-9ce7-4cdd-b7b4-8899ea88d289" providerId="ADAL" clId="{1BAAA70E-921F-47F1-8CE8-3DD05F71A227}" dt="2025-10-26T12:36:52.161" v="1823" actId="20577"/>
           <ac:spMkLst>
             <pc:docMk/>
             <pc:sldMk cId="2617504443" sldId="2145706242"/>
@@ -221,13 +222,13 @@
         </pc:picChg>
       </pc:sldChg>
       <pc:sldChg chg="modSp add mod">
-        <pc:chgData name="Graf Thomas, SCS-INI-NET-VNC-E2E" userId="487bc3e3-9ce7-4cdd-b7b4-8899ea88d289" providerId="ADAL" clId="{1BAAA70E-921F-47F1-8CE8-3DD05F71A227}" dt="2025-10-25T08:23:41.651" v="1813" actId="113"/>
+        <pc:chgData name="Graf Thomas, SCS-INI-NET-VNC-E2E" userId="487bc3e3-9ce7-4cdd-b7b4-8899ea88d289" providerId="ADAL" clId="{1BAAA70E-921F-47F1-8CE8-3DD05F71A227}" dt="2025-10-26T12:38:22.344" v="1832" actId="20577"/>
         <pc:sldMkLst>
           <pc:docMk/>
           <pc:sldMk cId="2750719351" sldId="2145706243"/>
         </pc:sldMkLst>
         <pc:spChg chg="mod">
-          <ac:chgData name="Graf Thomas, SCS-INI-NET-VNC-E2E" userId="487bc3e3-9ce7-4cdd-b7b4-8899ea88d289" providerId="ADAL" clId="{1BAAA70E-921F-47F1-8CE8-3DD05F71A227}" dt="2025-10-25T08:15:40.540" v="1740" actId="20577"/>
+          <ac:chgData name="Graf Thomas, SCS-INI-NET-VNC-E2E" userId="487bc3e3-9ce7-4cdd-b7b4-8899ea88d289" providerId="ADAL" clId="{1BAAA70E-921F-47F1-8CE8-3DD05F71A227}" dt="2025-10-26T12:38:22.344" v="1832" actId="20577"/>
           <ac:spMkLst>
             <pc:docMk/>
             <pc:sldMk cId="2750719351" sldId="2145706243"/>
@@ -235,7 +236,7 @@
           </ac:spMkLst>
         </pc:spChg>
         <pc:spChg chg="mod">
-          <ac:chgData name="Graf Thomas, SCS-INI-NET-VNC-E2E" userId="487bc3e3-9ce7-4cdd-b7b4-8899ea88d289" providerId="ADAL" clId="{1BAAA70E-921F-47F1-8CE8-3DD05F71A227}" dt="2025-10-25T08:23:41.651" v="1813" actId="113"/>
+          <ac:chgData name="Graf Thomas, SCS-INI-NET-VNC-E2E" userId="487bc3e3-9ce7-4cdd-b7b4-8899ea88d289" providerId="ADAL" clId="{1BAAA70E-921F-47F1-8CE8-3DD05F71A227}" dt="2025-10-26T12:37:59.458" v="1827" actId="20577"/>
           <ac:spMkLst>
             <pc:docMk/>
             <pc:sldMk cId="2750719351" sldId="2145706243"/>
@@ -282,6 +283,61 @@
           </ac:picMkLst>
         </pc:picChg>
       </pc:sldChg>
+      <pc:sldChg chg="addSp delSp modSp add mod">
+        <pc:chgData name="Graf Thomas, SCS-INI-NET-VNC-E2E" userId="487bc3e3-9ce7-4cdd-b7b4-8899ea88d289" providerId="ADAL" clId="{1BAAA70E-921F-47F1-8CE8-3DD05F71A227}" dt="2025-10-26T13:02:30.235" v="2959" actId="21"/>
+        <pc:sldMkLst>
+          <pc:docMk/>
+          <pc:sldMk cId="388497335" sldId="2145706244"/>
+        </pc:sldMkLst>
+        <pc:spChg chg="mod">
+          <ac:chgData name="Graf Thomas, SCS-INI-NET-VNC-E2E" userId="487bc3e3-9ce7-4cdd-b7b4-8899ea88d289" providerId="ADAL" clId="{1BAAA70E-921F-47F1-8CE8-3DD05F71A227}" dt="2025-10-26T12:38:29.130" v="1836" actId="20577"/>
+          <ac:spMkLst>
+            <pc:docMk/>
+            <pc:sldMk cId="388497335" sldId="2145706244"/>
+            <ac:spMk id="2" creationId="{623503D3-1A0C-80A8-0BCF-4B81D8325DA7}"/>
+          </ac:spMkLst>
+        </pc:spChg>
+        <pc:spChg chg="mod">
+          <ac:chgData name="Graf Thomas, SCS-INI-NET-VNC-E2E" userId="487bc3e3-9ce7-4cdd-b7b4-8899ea88d289" providerId="ADAL" clId="{1BAAA70E-921F-47F1-8CE8-3DD05F71A227}" dt="2025-10-26T13:02:30.235" v="2959" actId="21"/>
+          <ac:spMkLst>
+            <pc:docMk/>
+            <pc:sldMk cId="388497335" sldId="2145706244"/>
+            <ac:spMk id="3" creationId="{9C0498A2-E3FA-3E2D-2B34-142A2DCB1578}"/>
+          </ac:spMkLst>
+        </pc:spChg>
+        <pc:spChg chg="add mod">
+          <ac:chgData name="Graf Thomas, SCS-INI-NET-VNC-E2E" userId="487bc3e3-9ce7-4cdd-b7b4-8899ea88d289" providerId="ADAL" clId="{1BAAA70E-921F-47F1-8CE8-3DD05F71A227}" dt="2025-10-26T12:51:47.348" v="2793" actId="20577"/>
+          <ac:spMkLst>
+            <pc:docMk/>
+            <pc:sldMk cId="388497335" sldId="2145706244"/>
+            <ac:spMk id="4" creationId="{0E301C0F-66CA-73F9-A0FD-EA9585884704}"/>
+          </ac:spMkLst>
+        </pc:spChg>
+        <pc:spChg chg="del">
+          <ac:chgData name="Graf Thomas, SCS-INI-NET-VNC-E2E" userId="487bc3e3-9ce7-4cdd-b7b4-8899ea88d289" providerId="ADAL" clId="{1BAAA70E-921F-47F1-8CE8-3DD05F71A227}" dt="2025-10-26T12:38:32.437" v="1838" actId="478"/>
+          <ac:spMkLst>
+            <pc:docMk/>
+            <pc:sldMk cId="388497335" sldId="2145706244"/>
+            <ac:spMk id="5" creationId="{439FD1FB-FB95-2881-C6B7-53A1D86734F3}"/>
+          </ac:spMkLst>
+        </pc:spChg>
+        <pc:graphicFrameChg chg="add mod">
+          <ac:chgData name="Graf Thomas, SCS-INI-NET-VNC-E2E" userId="487bc3e3-9ce7-4cdd-b7b4-8899ea88d289" providerId="ADAL" clId="{1BAAA70E-921F-47F1-8CE8-3DD05F71A227}" dt="2025-10-26T12:44:28.221" v="2389"/>
+          <ac:graphicFrameMkLst>
+            <pc:docMk/>
+            <pc:sldMk cId="388497335" sldId="2145706244"/>
+            <ac:graphicFrameMk id="6" creationId="{8057A107-F501-4C4F-B685-035ED0454FD6}"/>
+          </ac:graphicFrameMkLst>
+        </pc:graphicFrameChg>
+        <pc:picChg chg="del">
+          <ac:chgData name="Graf Thomas, SCS-INI-NET-VNC-E2E" userId="487bc3e3-9ce7-4cdd-b7b4-8899ea88d289" providerId="ADAL" clId="{1BAAA70E-921F-47F1-8CE8-3DD05F71A227}" dt="2025-10-26T12:38:31.115" v="1837" actId="478"/>
+          <ac:picMkLst>
+            <pc:docMk/>
+            <pc:sldMk cId="388497335" sldId="2145706244"/>
+            <ac:picMk id="9" creationId="{AD83A717-98D2-8F67-426B-541511A37C81}"/>
+          </ac:picMkLst>
+        </pc:picChg>
+      </pc:sldChg>
     </pc:docChg>
   </pc:docChgLst>
 </pc:chgInfo>
@@ -369,7 +425,7 @@
           <a:p>
             <a:fld id="{E5E705E9-673F-4AC4-B29E-A7B26F3B8523}" type="datetimeFigureOut">
               <a:rPr lang="de-CH" smtClean="0"/>
-              <a:t>25.10.2025</a:t>
+              <a:t>26.10.2025</a:t>
             </a:fld>
             <a:endParaRPr lang="de-CH"/>
           </a:p>
@@ -786,7 +842,7 @@
           <a:p>
             <a:fld id="{9E9B238C-2335-4007-98C9-471C02CC43B6}" type="datetimeFigureOut">
               <a:rPr lang="de-CH" smtClean="0"/>
-              <a:t>25.10.2025</a:t>
+              <a:t>26.10.2025</a:t>
             </a:fld>
             <a:endParaRPr lang="de-CH"/>
           </a:p>
@@ -986,7 +1042,7 @@
           <a:p>
             <a:fld id="{9E9B238C-2335-4007-98C9-471C02CC43B6}" type="datetimeFigureOut">
               <a:rPr lang="de-CH" smtClean="0"/>
-              <a:t>25.10.2025</a:t>
+              <a:t>26.10.2025</a:t>
             </a:fld>
             <a:endParaRPr lang="de-CH"/>
           </a:p>
@@ -1196,7 +1252,7 @@
           <a:p>
             <a:fld id="{9E9B238C-2335-4007-98C9-471C02CC43B6}" type="datetimeFigureOut">
               <a:rPr lang="de-CH" smtClean="0"/>
-              <a:t>25.10.2025</a:t>
+              <a:t>26.10.2025</a:t>
             </a:fld>
             <a:endParaRPr lang="de-CH"/>
           </a:p>
@@ -1396,7 +1452,7 @@
           <a:p>
             <a:fld id="{9E9B238C-2335-4007-98C9-471C02CC43B6}" type="datetimeFigureOut">
               <a:rPr lang="de-CH" smtClean="0"/>
-              <a:t>25.10.2025</a:t>
+              <a:t>26.10.2025</a:t>
             </a:fld>
             <a:endParaRPr lang="de-CH"/>
           </a:p>
@@ -1672,7 +1728,7 @@
           <a:p>
             <a:fld id="{9E9B238C-2335-4007-98C9-471C02CC43B6}" type="datetimeFigureOut">
               <a:rPr lang="de-CH" smtClean="0"/>
-              <a:t>25.10.2025</a:t>
+              <a:t>26.10.2025</a:t>
             </a:fld>
             <a:endParaRPr lang="de-CH"/>
           </a:p>
@@ -1940,7 +1996,7 @@
           <a:p>
             <a:fld id="{9E9B238C-2335-4007-98C9-471C02CC43B6}" type="datetimeFigureOut">
               <a:rPr lang="de-CH" smtClean="0"/>
-              <a:t>25.10.2025</a:t>
+              <a:t>26.10.2025</a:t>
             </a:fld>
             <a:endParaRPr lang="de-CH"/>
           </a:p>
@@ -2355,7 +2411,7 @@
           <a:p>
             <a:fld id="{9E9B238C-2335-4007-98C9-471C02CC43B6}" type="datetimeFigureOut">
               <a:rPr lang="de-CH" smtClean="0"/>
-              <a:t>25.10.2025</a:t>
+              <a:t>26.10.2025</a:t>
             </a:fld>
             <a:endParaRPr lang="de-CH"/>
           </a:p>
@@ -2497,7 +2553,7 @@
           <a:p>
             <a:fld id="{9E9B238C-2335-4007-98C9-471C02CC43B6}" type="datetimeFigureOut">
               <a:rPr lang="de-CH" smtClean="0"/>
-              <a:t>25.10.2025</a:t>
+              <a:t>26.10.2025</a:t>
             </a:fld>
             <a:endParaRPr lang="de-CH"/>
           </a:p>
@@ -2610,7 +2666,7 @@
           <a:p>
             <a:fld id="{9E9B238C-2335-4007-98C9-471C02CC43B6}" type="datetimeFigureOut">
               <a:rPr lang="de-CH" smtClean="0"/>
-              <a:t>25.10.2025</a:t>
+              <a:t>26.10.2025</a:t>
             </a:fld>
             <a:endParaRPr lang="de-CH"/>
           </a:p>
@@ -2923,7 +2979,7 @@
           <a:p>
             <a:fld id="{9E9B238C-2335-4007-98C9-471C02CC43B6}" type="datetimeFigureOut">
               <a:rPr lang="de-CH" smtClean="0"/>
-              <a:t>25.10.2025</a:t>
+              <a:t>26.10.2025</a:t>
             </a:fld>
             <a:endParaRPr lang="de-CH"/>
           </a:p>
@@ -3212,7 +3268,7 @@
           <a:p>
             <a:fld id="{9E9B238C-2335-4007-98C9-471C02CC43B6}" type="datetimeFigureOut">
               <a:rPr lang="de-CH" smtClean="0"/>
-              <a:t>25.10.2025</a:t>
+              <a:t>26.10.2025</a:t>
             </a:fld>
             <a:endParaRPr lang="de-CH"/>
           </a:p>
@@ -3455,7 +3511,7 @@
           <a:p>
             <a:fld id="{9E9B238C-2335-4007-98C9-471C02CC43B6}" type="datetimeFigureOut">
               <a:rPr lang="de-CH" smtClean="0"/>
-              <a:t>25.10.2025</a:t>
+              <a:t>26.10.2025</a:t>
             </a:fld>
             <a:endParaRPr lang="de-CH"/>
           </a:p>
@@ -4214,13 +4270,13 @@
               <a:defRPr sz="1782"/>
             </a:pPr>
             <a:r>
-              <a:rPr lang="de-CH" sz="1400" dirty="0">
+              <a:rPr lang="de-CH" sz="1400" b="1" dirty="0">
                 <a:latin typeface="+mj-lt"/>
               </a:rPr>
               <a:t>thomas.graf@swisscom.com</a:t>
             </a:r>
             <a:br>
-              <a:rPr lang="de-CH" sz="1400" dirty="0">
+              <a:rPr lang="de-CH" sz="1400" b="1" dirty="0">
                 <a:latin typeface="+mj-lt"/>
               </a:rPr>
             </a:br>
@@ -4254,7 +4310,7 @@
               <a:rPr lang="de-CH" sz="1400" dirty="0">
                 <a:latin typeface="+mj-lt"/>
               </a:rPr>
-              <a:t>25. </a:t>
+              <a:t>26. </a:t>
             </a:r>
             <a:r>
               <a:rPr lang="de-CH" sz="1400" dirty="0" err="1">
@@ -4421,16 +4477,22 @@
           <a:lstStyle/>
           <a:p>
             <a:r>
+              <a:rPr lang="en-US" sz="1800" dirty="0">
+                <a:latin typeface="Calibri Body"/>
+              </a:rPr>
+              <a:t>Addressed comments from Paul </a:t>
+            </a:r>
+            <a:r>
               <a:rPr lang="en-US" sz="1800" dirty="0" err="1">
                 <a:latin typeface="Calibri Body"/>
               </a:rPr>
-              <a:t>Adressed</a:t>
+              <a:t>Aitke</a:t>
             </a:r>
             <a:r>
               <a:rPr lang="en-US" sz="1800" dirty="0">
                 <a:latin typeface="Calibri Body"/>
               </a:rPr>
-              <a:t> comments from Paul Aitken (</a:t>
+              <a:t>. Many thanks for the review! (</a:t>
             </a:r>
             <a:r>
               <a:rPr lang="en-US" sz="1800" dirty="0">
@@ -4443,7 +4505,7 @@
               <a:rPr lang="en-US" sz="1800" dirty="0">
                 <a:latin typeface="Calibri Body"/>
               </a:rPr>
-              <a:t>). Many thanks for the review!</a:t>
+              <a:t>). </a:t>
             </a:r>
           </a:p>
           <a:p>
@@ -4690,7 +4752,7 @@
                   </a:schemeClr>
                 </a:solidFill>
               </a:rPr>
-              <a:t>Status, Summary and Next Steps </a:t>
+              <a:t>Status and Summary </a:t>
             </a:r>
             <a:r>
               <a:rPr lang="de-CH" sz="2700" dirty="0" err="1">
@@ -4779,7 +4841,7 @@
                 </a:solidFill>
                 <a:latin typeface="Calibri Body"/>
               </a:rPr>
-              <a:t>What is the working groups opinion?</a:t>
+              <a:t>What is the working group opinion?</a:t>
             </a:r>
           </a:p>
           <a:p>
@@ -5038,6 +5100,597 @@
     <p:extLst>
       <p:ext uri="{BB962C8B-B14F-4D97-AF65-F5344CB8AC3E}">
         <p14:creationId xmlns:p14="http://schemas.microsoft.com/office/powerpoint/2010/main" val="2750719351"/>
+      </p:ext>
+    </p:extLst>
+  </p:cSld>
+  <p:clrMapOvr>
+    <a:masterClrMapping/>
+  </p:clrMapOvr>
+</p:sld>
+</file>
+
+<file path=ppt/slides/slide4.xml><?xml version="1.0" encoding="utf-8"?>
+<p:sld xmlns:a="http://schemas.openxmlformats.org/drawingml/2006/main" xmlns:r="http://schemas.openxmlformats.org/officeDocument/2006/relationships" xmlns:p="http://schemas.openxmlformats.org/presentationml/2006/main">
+  <p:cSld>
+    <p:spTree>
+      <p:nvGrpSpPr>
+        <p:cNvPr id="1" name="">
+          <a:extLst>
+            <a:ext uri="{FF2B5EF4-FFF2-40B4-BE49-F238E27FC236}">
+              <a16:creationId xmlns:a16="http://schemas.microsoft.com/office/drawing/2014/main" id="{2C9B5027-5F9C-B1E6-0B7E-B85D1FD63999}"/>
+            </a:ext>
+          </a:extLst>
+        </p:cNvPr>
+        <p:cNvGrpSpPr/>
+        <p:nvPr/>
+      </p:nvGrpSpPr>
+      <p:grpSpPr>
+        <a:xfrm>
+          <a:off x="0" y="0"/>
+          <a:ext cx="0" cy="0"/>
+          <a:chOff x="0" y="0"/>
+          <a:chExt cx="0" cy="0"/>
+        </a:xfrm>
+      </p:grpSpPr>
+      <p:sp>
+        <p:nvSpPr>
+          <p:cNvPr id="2" name="Title 1">
+            <a:extLst>
+              <a:ext uri="{FF2B5EF4-FFF2-40B4-BE49-F238E27FC236}">
+                <a16:creationId xmlns:a16="http://schemas.microsoft.com/office/drawing/2014/main" id="{623503D3-1A0C-80A8-0BCF-4B81D8325DA7}"/>
+              </a:ext>
+            </a:extLst>
+          </p:cNvPr>
+          <p:cNvSpPr>
+            <a:spLocks noGrp="1"/>
+          </p:cNvSpPr>
+          <p:nvPr>
+            <p:ph type="title"/>
+          </p:nvPr>
+        </p:nvSpPr>
+        <p:spPr/>
+        <p:txBody>
+          <a:bodyPr>
+            <a:normAutofit/>
+          </a:bodyPr>
+          <a:lstStyle/>
+          <a:p>
+            <a:r>
+              <a:rPr lang="en-US" sz="2800" b="1" dirty="0"/>
+              <a:t>An Architecture for YANG-Push to Message Broker Integration</a:t>
+            </a:r>
+            <a:br>
+              <a:rPr lang="en-GB" sz="3600" dirty="0"/>
+            </a:br>
+            <a:r>
+              <a:rPr lang="en-GB" sz="2700" dirty="0">
+                <a:solidFill>
+                  <a:schemeClr val="bg2">
+                    <a:lumMod val="75000"/>
+                  </a:schemeClr>
+                </a:solidFill>
+              </a:rPr>
+              <a:t>Next Steps</a:t>
+            </a:r>
+            <a:endParaRPr lang="en-US" sz="2700" dirty="0">
+              <a:solidFill>
+                <a:schemeClr val="bg2">
+                  <a:lumMod val="75000"/>
+                </a:schemeClr>
+              </a:solidFill>
+            </a:endParaRPr>
+          </a:p>
+        </p:txBody>
+      </p:sp>
+      <p:sp>
+        <p:nvSpPr>
+          <p:cNvPr id="3" name="Content Placeholder 2">
+            <a:extLst>
+              <a:ext uri="{FF2B5EF4-FFF2-40B4-BE49-F238E27FC236}">
+                <a16:creationId xmlns:a16="http://schemas.microsoft.com/office/drawing/2014/main" id="{9C0498A2-E3FA-3E2D-2B34-142A2DCB1578}"/>
+              </a:ext>
+            </a:extLst>
+          </p:cNvPr>
+          <p:cNvSpPr>
+            <a:spLocks noGrp="1"/>
+          </p:cNvSpPr>
+          <p:nvPr>
+            <p:ph idx="1"/>
+          </p:nvPr>
+        </p:nvSpPr>
+        <p:spPr>
+          <a:xfrm>
+            <a:off x="838200" y="1772816"/>
+            <a:ext cx="10886440" cy="4404148"/>
+          </a:xfrm>
+        </p:spPr>
+        <p:txBody>
+          <a:bodyPr>
+            <a:noAutofit/>
+          </a:bodyPr>
+          <a:lstStyle/>
+          <a:p>
+            <a:pPr marL="0" indent="0">
+              <a:buNone/>
+            </a:pPr>
+            <a:r>
+              <a:rPr lang="en-US" sz="1800" b="1" dirty="0">
+                <a:latin typeface="Calibri Body"/>
+              </a:rPr>
+              <a:t>Next Steps</a:t>
+            </a:r>
+          </a:p>
+          <a:p>
+            <a:pPr>
+              <a:buFont typeface="Wingdings" panose="05000000000000000000" pitchFamily="2" charset="2"/>
+              <a:buChar char="Ø"/>
+            </a:pPr>
+            <a:r>
+              <a:rPr lang="en-US" sz="1800" dirty="0">
+                <a:latin typeface="Calibri Body"/>
+              </a:rPr>
+              <a:t>The milestones in the NMOP charter aims September 2025 for "Submit Architecture for YANG-Push to Message Broker Integration to the IESG"</a:t>
+            </a:r>
+          </a:p>
+          <a:p>
+            <a:pPr>
+              <a:buFont typeface="Wingdings" panose="05000000000000000000" pitchFamily="2" charset="2"/>
+              <a:buChar char="Ø"/>
+            </a:pPr>
+            <a:r>
+              <a:rPr lang="en-US" sz="1800" dirty="0">
+                <a:latin typeface="Calibri Body"/>
+              </a:rPr>
+              <a:t>The document went through several iterations and has multiple implementations. The last remaining normative referenced documents which did not pass working group last call yet are:</a:t>
+            </a:r>
+          </a:p>
+          <a:p>
+            <a:pPr lvl="1">
+              <a:buFont typeface="Wingdings" panose="05000000000000000000" pitchFamily="2" charset="2"/>
+              <a:buChar char="Ø"/>
+            </a:pPr>
+            <a:r>
+              <a:rPr lang="en-US" sz="1800" dirty="0">
+                <a:latin typeface="Calibri Body"/>
+              </a:rPr>
+              <a:t>draft-</a:t>
+            </a:r>
+            <a:r>
+              <a:rPr lang="en-US" sz="1800" dirty="0" err="1">
+                <a:latin typeface="Calibri Body"/>
+              </a:rPr>
+              <a:t>ietf</a:t>
+            </a:r>
+            <a:r>
+              <a:rPr lang="en-US" sz="1800" dirty="0">
+                <a:latin typeface="Calibri Body"/>
+              </a:rPr>
+              <a:t>-netconf-yang-notifications-versioning (requested working group last call at IETF 124)</a:t>
+            </a:r>
+          </a:p>
+          <a:p>
+            <a:pPr lvl="1">
+              <a:buFont typeface="Wingdings" panose="05000000000000000000" pitchFamily="2" charset="2"/>
+              <a:buChar char="Ø"/>
+            </a:pPr>
+            <a:r>
+              <a:rPr lang="en-US" sz="1800" dirty="0">
+                <a:latin typeface="Calibri Body"/>
+              </a:rPr>
+              <a:t>draft-</a:t>
+            </a:r>
+            <a:r>
+              <a:rPr lang="en-US" sz="1800" dirty="0" err="1">
+                <a:latin typeface="Calibri Body"/>
+              </a:rPr>
+              <a:t>ietf</a:t>
+            </a:r>
+            <a:r>
+              <a:rPr lang="en-US" sz="1800" dirty="0">
+                <a:latin typeface="Calibri Body"/>
+              </a:rPr>
+              <a:t>-</a:t>
+            </a:r>
+            <a:r>
+              <a:rPr lang="en-US" sz="1800" dirty="0" err="1">
+                <a:latin typeface="Calibri Body"/>
+              </a:rPr>
+              <a:t>nmop</a:t>
+            </a:r>
+            <a:r>
+              <a:rPr lang="en-US" sz="1800" dirty="0">
+                <a:latin typeface="Calibri Body"/>
+              </a:rPr>
+              <a:t>-message-broker-telemetry-message (second implementation at IETF 124, intend to request working group at IETF 125)</a:t>
+            </a:r>
+          </a:p>
+          <a:p>
+            <a:pPr>
+              <a:buFont typeface="Wingdings" panose="05000000000000000000" pitchFamily="2" charset="2"/>
+              <a:buChar char="Ø"/>
+            </a:pPr>
+            <a:r>
+              <a:rPr lang="en-US" sz="1800" b="1">
+                <a:solidFill>
+                  <a:srgbClr val="FF0000"/>
+                </a:solidFill>
+                <a:latin typeface="Calibri Body"/>
+              </a:rPr>
+              <a:t>The </a:t>
+            </a:r>
+            <a:r>
+              <a:rPr lang="en-US" sz="1800" b="1" dirty="0">
+                <a:solidFill>
+                  <a:srgbClr val="FF0000"/>
+                </a:solidFill>
+                <a:latin typeface="Calibri Body"/>
+              </a:rPr>
+              <a:t>authors suggest to trigger an early OPS directorate review to gauge wherever we have missed anything from an operations or management perspective.</a:t>
+            </a:r>
+          </a:p>
+          <a:p>
+            <a:pPr>
+              <a:buFont typeface="Wingdings" panose="05000000000000000000" pitchFamily="2" charset="2"/>
+              <a:buChar char="Ø"/>
+            </a:pPr>
+            <a:r>
+              <a:rPr lang="en-US" sz="1800" b="1" dirty="0">
+                <a:solidFill>
+                  <a:srgbClr val="FF0000"/>
+                </a:solidFill>
+                <a:latin typeface="Calibri Body"/>
+              </a:rPr>
+              <a:t>The authors believe that the document is stable and ready for working group last call and be submitted together with draft-</a:t>
+            </a:r>
+            <a:r>
+              <a:rPr lang="en-US" sz="1800" b="1" dirty="0" err="1">
+                <a:solidFill>
+                  <a:srgbClr val="FF0000"/>
+                </a:solidFill>
+                <a:latin typeface="Calibri Body"/>
+              </a:rPr>
+              <a:t>ietf</a:t>
+            </a:r>
+            <a:r>
+              <a:rPr lang="en-US" sz="1800" b="1" dirty="0">
+                <a:solidFill>
+                  <a:srgbClr val="FF0000"/>
+                </a:solidFill>
+                <a:latin typeface="Calibri Body"/>
+              </a:rPr>
+              <a:t>-</a:t>
+            </a:r>
+            <a:r>
+              <a:rPr lang="en-US" sz="1800" b="1" dirty="0" err="1">
+                <a:solidFill>
+                  <a:srgbClr val="FF0000"/>
+                </a:solidFill>
+                <a:latin typeface="Calibri Body"/>
+              </a:rPr>
+              <a:t>nmop</a:t>
+            </a:r>
+            <a:r>
+              <a:rPr lang="en-US" sz="1800" b="1" dirty="0">
+                <a:solidFill>
+                  <a:srgbClr val="FF0000"/>
+                </a:solidFill>
+                <a:latin typeface="Calibri Body"/>
+              </a:rPr>
+              <a:t>-message-broker-telemetry-message to IESG at IETF 125.</a:t>
+            </a:r>
+          </a:p>
+        </p:txBody>
+      </p:sp>
+      <p:sp>
+        <p:nvSpPr>
+          <p:cNvPr id="8" name="Slide Number Placeholder 1">
+            <a:extLst>
+              <a:ext uri="{FF2B5EF4-FFF2-40B4-BE49-F238E27FC236}">
+                <a16:creationId xmlns:a16="http://schemas.microsoft.com/office/drawing/2014/main" id="{01C66484-AF25-6578-8718-283434135732}"/>
+              </a:ext>
+            </a:extLst>
+          </p:cNvPr>
+          <p:cNvSpPr>
+            <a:spLocks noGrp="1"/>
+          </p:cNvSpPr>
+          <p:nvPr>
+            <p:ph type="sldNum" sz="quarter" idx="12"/>
+          </p:nvPr>
+        </p:nvSpPr>
+        <p:spPr>
+          <a:xfrm>
+            <a:off x="11587892" y="6361637"/>
+            <a:ext cx="414251" cy="365125"/>
+          </a:xfrm>
+        </p:spPr>
+        <p:txBody>
+          <a:bodyPr/>
+          <a:lstStyle/>
+          <a:p>
+            <a:fld id="{FC4AC485-25DE-431E-B345-9C0A15BB7F8A}" type="slidenum">
+              <a:rPr lang="de-CH" sz="1400" smtClean="0"/>
+              <a:t>4</a:t>
+            </a:fld>
+            <a:endParaRPr lang="de-CH" sz="1400" dirty="0"/>
+          </a:p>
+        </p:txBody>
+      </p:sp>
+      <p:sp>
+        <p:nvSpPr>
+          <p:cNvPr id="4" name="Subtitle 4">
+            <a:extLst>
+              <a:ext uri="{FF2B5EF4-FFF2-40B4-BE49-F238E27FC236}">
+                <a16:creationId xmlns:a16="http://schemas.microsoft.com/office/drawing/2014/main" id="{0E301C0F-66CA-73F9-A0FD-EA9585884704}"/>
+              </a:ext>
+            </a:extLst>
+          </p:cNvPr>
+          <p:cNvSpPr txBox="1">
+            <a:spLocks/>
+          </p:cNvSpPr>
+          <p:nvPr/>
+        </p:nvSpPr>
+        <p:spPr>
+          <a:xfrm>
+            <a:off x="838200" y="5658415"/>
+            <a:ext cx="11163943" cy="703221"/>
+          </a:xfrm>
+          <a:prstGeom prst="rect">
+            <a:avLst/>
+          </a:prstGeom>
+        </p:spPr>
+        <p:txBody>
+          <a:bodyPr vert="horz" lIns="91440" tIns="45720" rIns="91440" bIns="45720" rtlCol="0">
+            <a:normAutofit fontScale="85000" lnSpcReduction="20000"/>
+          </a:bodyPr>
+          <a:lstStyle>
+            <a:lvl1pPr marL="228600" indent="-228600" algn="l" defTabSz="914400" rtl="0" eaLnBrk="1" latinLnBrk="0" hangingPunct="1">
+              <a:lnSpc>
+                <a:spcPct val="90000"/>
+              </a:lnSpc>
+              <a:spcBef>
+                <a:spcPts val="1000"/>
+              </a:spcBef>
+              <a:buFont typeface="Arial" panose="020B0604020202020204" pitchFamily="34" charset="0"/>
+              <a:buChar char="•"/>
+              <a:defRPr sz="2800" kern="1200">
+                <a:solidFill>
+                  <a:schemeClr val="tx1"/>
+                </a:solidFill>
+                <a:latin typeface="+mn-lt"/>
+                <a:ea typeface="+mn-ea"/>
+                <a:cs typeface="+mn-cs"/>
+              </a:defRPr>
+            </a:lvl1pPr>
+            <a:lvl2pPr marL="685800" indent="-228600" algn="l" defTabSz="914400" rtl="0" eaLnBrk="1" latinLnBrk="0" hangingPunct="1">
+              <a:lnSpc>
+                <a:spcPct val="90000"/>
+              </a:lnSpc>
+              <a:spcBef>
+                <a:spcPts val="500"/>
+              </a:spcBef>
+              <a:buFont typeface="Arial" panose="020B0604020202020204" pitchFamily="34" charset="0"/>
+              <a:buChar char="•"/>
+              <a:defRPr sz="2400" kern="1200">
+                <a:solidFill>
+                  <a:schemeClr val="tx1"/>
+                </a:solidFill>
+                <a:latin typeface="+mn-lt"/>
+                <a:ea typeface="+mn-ea"/>
+                <a:cs typeface="+mn-cs"/>
+              </a:defRPr>
+            </a:lvl2pPr>
+            <a:lvl3pPr marL="1143000" indent="-228600" algn="l" defTabSz="914400" rtl="0" eaLnBrk="1" latinLnBrk="0" hangingPunct="1">
+              <a:lnSpc>
+                <a:spcPct val="90000"/>
+              </a:lnSpc>
+              <a:spcBef>
+                <a:spcPts val="500"/>
+              </a:spcBef>
+              <a:buFont typeface="Arial" panose="020B0604020202020204" pitchFamily="34" charset="0"/>
+              <a:buChar char="•"/>
+              <a:defRPr sz="2000" kern="1200">
+                <a:solidFill>
+                  <a:schemeClr val="tx1"/>
+                </a:solidFill>
+                <a:latin typeface="+mn-lt"/>
+                <a:ea typeface="+mn-ea"/>
+                <a:cs typeface="+mn-cs"/>
+              </a:defRPr>
+            </a:lvl3pPr>
+            <a:lvl4pPr marL="1600200" indent="-228600" algn="l" defTabSz="914400" rtl="0" eaLnBrk="1" latinLnBrk="0" hangingPunct="1">
+              <a:lnSpc>
+                <a:spcPct val="90000"/>
+              </a:lnSpc>
+              <a:spcBef>
+                <a:spcPts val="500"/>
+              </a:spcBef>
+              <a:buFont typeface="Arial" panose="020B0604020202020204" pitchFamily="34" charset="0"/>
+              <a:buChar char="•"/>
+              <a:defRPr sz="1800" kern="1200">
+                <a:solidFill>
+                  <a:schemeClr val="tx1"/>
+                </a:solidFill>
+                <a:latin typeface="+mn-lt"/>
+                <a:ea typeface="+mn-ea"/>
+                <a:cs typeface="+mn-cs"/>
+              </a:defRPr>
+            </a:lvl4pPr>
+            <a:lvl5pPr marL="2057400" indent="-228600" algn="l" defTabSz="914400" rtl="0" eaLnBrk="1" latinLnBrk="0" hangingPunct="1">
+              <a:lnSpc>
+                <a:spcPct val="90000"/>
+              </a:lnSpc>
+              <a:spcBef>
+                <a:spcPts val="500"/>
+              </a:spcBef>
+              <a:buFont typeface="Arial" panose="020B0604020202020204" pitchFamily="34" charset="0"/>
+              <a:buChar char="•"/>
+              <a:defRPr sz="1800" kern="1200">
+                <a:solidFill>
+                  <a:schemeClr val="tx1"/>
+                </a:solidFill>
+                <a:latin typeface="+mn-lt"/>
+                <a:ea typeface="+mn-ea"/>
+                <a:cs typeface="+mn-cs"/>
+              </a:defRPr>
+            </a:lvl5pPr>
+            <a:lvl6pPr marL="2514600" indent="-228600" algn="l" defTabSz="914400" rtl="0" eaLnBrk="1" latinLnBrk="0" hangingPunct="1">
+              <a:lnSpc>
+                <a:spcPct val="90000"/>
+              </a:lnSpc>
+              <a:spcBef>
+                <a:spcPts val="500"/>
+              </a:spcBef>
+              <a:buFont typeface="Arial" panose="020B0604020202020204" pitchFamily="34" charset="0"/>
+              <a:buChar char="•"/>
+              <a:defRPr sz="1800" kern="1200">
+                <a:solidFill>
+                  <a:schemeClr val="tx1"/>
+                </a:solidFill>
+                <a:latin typeface="+mn-lt"/>
+                <a:ea typeface="+mn-ea"/>
+                <a:cs typeface="+mn-cs"/>
+              </a:defRPr>
+            </a:lvl6pPr>
+            <a:lvl7pPr marL="2971800" indent="-228600" algn="l" defTabSz="914400" rtl="0" eaLnBrk="1" latinLnBrk="0" hangingPunct="1">
+              <a:lnSpc>
+                <a:spcPct val="90000"/>
+              </a:lnSpc>
+              <a:spcBef>
+                <a:spcPts val="500"/>
+              </a:spcBef>
+              <a:buFont typeface="Arial" panose="020B0604020202020204" pitchFamily="34" charset="0"/>
+              <a:buChar char="•"/>
+              <a:defRPr sz="1800" kern="1200">
+                <a:solidFill>
+                  <a:schemeClr val="tx1"/>
+                </a:solidFill>
+                <a:latin typeface="+mn-lt"/>
+                <a:ea typeface="+mn-ea"/>
+                <a:cs typeface="+mn-cs"/>
+              </a:defRPr>
+            </a:lvl7pPr>
+            <a:lvl8pPr marL="3429000" indent="-228600" algn="l" defTabSz="914400" rtl="0" eaLnBrk="1" latinLnBrk="0" hangingPunct="1">
+              <a:lnSpc>
+                <a:spcPct val="90000"/>
+              </a:lnSpc>
+              <a:spcBef>
+                <a:spcPts val="500"/>
+              </a:spcBef>
+              <a:buFont typeface="Arial" panose="020B0604020202020204" pitchFamily="34" charset="0"/>
+              <a:buChar char="•"/>
+              <a:defRPr sz="1800" kern="1200">
+                <a:solidFill>
+                  <a:schemeClr val="tx1"/>
+                </a:solidFill>
+                <a:latin typeface="+mn-lt"/>
+                <a:ea typeface="+mn-ea"/>
+                <a:cs typeface="+mn-cs"/>
+              </a:defRPr>
+            </a:lvl8pPr>
+            <a:lvl9pPr marL="3886200" indent="-228600" algn="l" defTabSz="914400" rtl="0" eaLnBrk="1" latinLnBrk="0" hangingPunct="1">
+              <a:lnSpc>
+                <a:spcPct val="90000"/>
+              </a:lnSpc>
+              <a:spcBef>
+                <a:spcPts val="500"/>
+              </a:spcBef>
+              <a:buFont typeface="Arial" panose="020B0604020202020204" pitchFamily="34" charset="0"/>
+              <a:buChar char="•"/>
+              <a:defRPr sz="1800" kern="1200">
+                <a:solidFill>
+                  <a:schemeClr val="tx1"/>
+                </a:solidFill>
+                <a:latin typeface="+mn-lt"/>
+                <a:ea typeface="+mn-ea"/>
+                <a:cs typeface="+mn-cs"/>
+              </a:defRPr>
+            </a:lvl9pPr>
+          </a:lstStyle>
+          <a:p>
+            <a:pPr marL="0" indent="0" algn="r">
+              <a:spcBef>
+                <a:spcPts val="300"/>
+              </a:spcBef>
+              <a:buNone/>
+              <a:defRPr sz="1782"/>
+            </a:pPr>
+            <a:r>
+              <a:rPr lang="de-CH" sz="1400" b="1" dirty="0">
+                <a:latin typeface="+mj-lt"/>
+              </a:rPr>
+              <a:t>thomas.graf@swisscom.com</a:t>
+            </a:r>
+            <a:br>
+              <a:rPr lang="de-CH" sz="1400" b="1" dirty="0">
+                <a:latin typeface="+mj-lt"/>
+              </a:rPr>
+            </a:br>
+            <a:r>
+              <a:rPr lang="de-CH" sz="1400" dirty="0">
+                <a:latin typeface="+mj-lt"/>
+              </a:rPr>
+              <a:t>ahmed.elhassany@swisscom.com</a:t>
+            </a:r>
+          </a:p>
+          <a:p>
+            <a:pPr marL="0" indent="0" algn="r">
+              <a:spcBef>
+                <a:spcPts val="300"/>
+              </a:spcBef>
+              <a:buNone/>
+              <a:defRPr sz="1782"/>
+            </a:pPr>
+            <a:endParaRPr lang="de-CH" sz="1400" dirty="0">
+              <a:latin typeface="+mj-lt"/>
+            </a:endParaRPr>
+          </a:p>
+          <a:p>
+            <a:pPr marL="0" indent="0" algn="r">
+              <a:spcBef>
+                <a:spcPts val="300"/>
+              </a:spcBef>
+              <a:buNone/>
+            </a:pPr>
+            <a:r>
+              <a:rPr lang="de-CH" sz="1400" dirty="0">
+                <a:latin typeface="+mj-lt"/>
+              </a:rPr>
+              <a:t>26. </a:t>
+            </a:r>
+            <a:r>
+              <a:rPr lang="de-CH" sz="1400" dirty="0" err="1">
+                <a:latin typeface="+mj-lt"/>
+              </a:rPr>
+              <a:t>October</a:t>
+            </a:r>
+            <a:r>
+              <a:rPr lang="de-CH" sz="1400" dirty="0">
+                <a:latin typeface="+mj-lt"/>
+              </a:rPr>
+              <a:t> </a:t>
+            </a:r>
+            <a:r>
+              <a:rPr lang="de-CH" sz="1400" dirty="0">
+                <a:latin typeface="+mj-lt"/>
+                <a:ea typeface="+mj-ea"/>
+                <a:cs typeface="+mj-cs"/>
+              </a:rPr>
+              <a:t>2025</a:t>
+            </a:r>
+            <a:endParaRPr lang="de-CH" sz="1400" dirty="0">
+              <a:latin typeface="+mj-lt"/>
+            </a:endParaRPr>
+          </a:p>
+          <a:p>
+            <a:pPr algn="r"/>
+            <a:endParaRPr lang="de-CH" sz="2200" dirty="0"/>
+          </a:p>
+        </p:txBody>
+      </p:sp>
+    </p:spTree>
+    <p:extLst>
+      <p:ext uri="{BB962C8B-B14F-4D97-AF65-F5344CB8AC3E}">
+        <p14:creationId xmlns:p14="http://schemas.microsoft.com/office/powerpoint/2010/main" val="388497335"/>
       </p:ext>
     </p:extLst>
   </p:cSld>

--- a/124/NMOP/draft-ietf-nmop-yang-message-broker-integration-09.pptx
+++ b/124/NMOP/draft-ietf-nmop-yang-message-broker-integration-09.pptx
@@ -131,7 +131,7 @@
   <pc:docChgLst>
     <pc:chgData name="Graf Thomas, SCS-INI-NET-VNC-E2E" userId="487bc3e3-9ce7-4cdd-b7b4-8899ea88d289" providerId="ADAL" clId="{1BAAA70E-921F-47F1-8CE8-3DD05F71A227}"/>
     <pc:docChg chg="undo custSel addSld delSld modSld">
-      <pc:chgData name="Graf Thomas, SCS-INI-NET-VNC-E2E" userId="487bc3e3-9ce7-4cdd-b7b4-8899ea88d289" providerId="ADAL" clId="{1BAAA70E-921F-47F1-8CE8-3DD05F71A227}" dt="2025-10-26T13:02:30.235" v="2959" actId="21"/>
+      <pc:chgData name="Graf Thomas, SCS-INI-NET-VNC-E2E" userId="487bc3e3-9ce7-4cdd-b7b4-8899ea88d289" providerId="ADAL" clId="{1BAAA70E-921F-47F1-8CE8-3DD05F71A227}" dt="2025-10-26T13:40:53.571" v="2960" actId="20577"/>
       <pc:docMkLst>
         <pc:docMk/>
       </pc:docMkLst>
@@ -222,7 +222,7 @@
         </pc:picChg>
       </pc:sldChg>
       <pc:sldChg chg="modSp add mod">
-        <pc:chgData name="Graf Thomas, SCS-INI-NET-VNC-E2E" userId="487bc3e3-9ce7-4cdd-b7b4-8899ea88d289" providerId="ADAL" clId="{1BAAA70E-921F-47F1-8CE8-3DD05F71A227}" dt="2025-10-26T12:38:22.344" v="1832" actId="20577"/>
+        <pc:chgData name="Graf Thomas, SCS-INI-NET-VNC-E2E" userId="487bc3e3-9ce7-4cdd-b7b4-8899ea88d289" providerId="ADAL" clId="{1BAAA70E-921F-47F1-8CE8-3DD05F71A227}" dt="2025-10-26T13:40:53.571" v="2960" actId="20577"/>
         <pc:sldMkLst>
           <pc:docMk/>
           <pc:sldMk cId="2750719351" sldId="2145706243"/>
@@ -236,7 +236,7 @@
           </ac:spMkLst>
         </pc:spChg>
         <pc:spChg chg="mod">
-          <ac:chgData name="Graf Thomas, SCS-INI-NET-VNC-E2E" userId="487bc3e3-9ce7-4cdd-b7b4-8899ea88d289" providerId="ADAL" clId="{1BAAA70E-921F-47F1-8CE8-3DD05F71A227}" dt="2025-10-26T12:37:59.458" v="1827" actId="20577"/>
+          <ac:chgData name="Graf Thomas, SCS-INI-NET-VNC-E2E" userId="487bc3e3-9ce7-4cdd-b7b4-8899ea88d289" providerId="ADAL" clId="{1BAAA70E-921F-47F1-8CE8-3DD05F71A227}" dt="2025-10-26T13:40:53.571" v="2960" actId="20577"/>
           <ac:spMkLst>
             <pc:docMk/>
             <pc:sldMk cId="2750719351" sldId="2145706243"/>
@@ -4975,34 +4975,19 @@
                 <a:latin typeface="Calibri Body"/>
                 <a:ea typeface="Times New Roman" panose="02020603050405020304" pitchFamily="18" charset="0"/>
               </a:rPr>
-              <a:t> aspects.</a:t>
-            </a:r>
-          </a:p>
-          <a:p>
-            <a:pPr marL="0" indent="0">
-              <a:buNone/>
-            </a:pPr>
-            <a:r>
-              <a:rPr lang="en-US" sz="1800" b="1" dirty="0">
+              <a:t> </a:t>
+            </a:r>
+            <a:r>
+              <a:rPr lang="en-US" sz="1800">
                 <a:latin typeface="Calibri Body"/>
-              </a:rPr>
-              <a:t>Next Steps</a:t>
-            </a:r>
-          </a:p>
-          <a:p>
-            <a:pPr>
-              <a:buFont typeface="Wingdings" panose="05000000000000000000" pitchFamily="2" charset="2"/>
-              <a:buChar char="Ø"/>
-            </a:pPr>
-            <a:r>
-              <a:rPr lang="en-US" sz="1800" b="1" dirty="0">
-                <a:solidFill>
-                  <a:srgbClr val="FF0000"/>
-                </a:solidFill>
-                <a:latin typeface="Calibri Body"/>
-              </a:rPr>
-              <a:t>The authors believe that the document is stable and ready for working group last call.</a:t>
-            </a:r>
+                <a:ea typeface="Times New Roman" panose="02020603050405020304" pitchFamily="18" charset="0"/>
+              </a:rPr>
+              <a:t>aspects.</a:t>
+            </a:r>
+            <a:endParaRPr lang="en-US" sz="1800" dirty="0">
+              <a:latin typeface="Calibri Body"/>
+              <a:ea typeface="Times New Roman" panose="02020603050405020304" pitchFamily="18" charset="0"/>
+            </a:endParaRPr>
           </a:p>
         </p:txBody>
       </p:sp>

--- a/124/NMOP/draft-ietf-nmop-yang-message-broker-integration-09.pptx
+++ b/124/NMOP/draft-ietf-nmop-yang-message-broker-integration-09.pptx
@@ -5,13 +5,16 @@
     <p:sldMasterId id="2147483648" r:id="rId1"/>
   </p:sldMasterIdLst>
   <p:notesMasterIdLst>
-    <p:notesMasterId r:id="rId6"/>
+    <p:notesMasterId r:id="rId9"/>
   </p:notesMasterIdLst>
   <p:sldIdLst>
     <p:sldId id="1041" r:id="rId2"/>
     <p:sldId id="2145706242" r:id="rId3"/>
     <p:sldId id="2145706243" r:id="rId4"/>
     <p:sldId id="2145706244" r:id="rId5"/>
+    <p:sldId id="2145706247" r:id="rId6"/>
+    <p:sldId id="2145706245" r:id="rId7"/>
+    <p:sldId id="2145706246" r:id="rId8"/>
   </p:sldIdLst>
   <p:sldSz cx="12192000" cy="6858000"/>
   <p:notesSz cx="6858000" cy="9144000"/>
@@ -121,7 +124,7 @@
 <file path=ppt/revisionInfo.xml><?xml version="1.0" encoding="utf-8"?>
 <p1510:revInfo xmlns:a="http://schemas.openxmlformats.org/drawingml/2006/main" xmlns:r="http://schemas.openxmlformats.org/officeDocument/2006/relationships" xmlns:p1510="http://schemas.microsoft.com/office/powerpoint/2015/10/main">
   <p1510:revLst>
-    <p1510:client id="{1BAAA70E-921F-47F1-8CE8-3DD05F71A227}" v="29" dt="2025-10-26T12:52:24.813"/>
+    <p1510:client id="{1BAAA70E-921F-47F1-8CE8-3DD05F71A227}" v="71" dt="2025-10-28T09:10:21.293"/>
   </p1510:revLst>
 </p1510:revInfo>
 </file>
@@ -131,7 +134,7 @@
   <pc:docChgLst>
     <pc:chgData name="Graf Thomas, SCS-INI-NET-VNC-E2E" userId="487bc3e3-9ce7-4cdd-b7b4-8899ea88d289" providerId="ADAL" clId="{1BAAA70E-921F-47F1-8CE8-3DD05F71A227}"/>
     <pc:docChg chg="undo custSel addSld delSld modSld">
-      <pc:chgData name="Graf Thomas, SCS-INI-NET-VNC-E2E" userId="487bc3e3-9ce7-4cdd-b7b4-8899ea88d289" providerId="ADAL" clId="{1BAAA70E-921F-47F1-8CE8-3DD05F71A227}" dt="2025-10-26T13:40:53.571" v="2960" actId="20577"/>
+      <pc:chgData name="Graf Thomas, SCS-INI-NET-VNC-E2E" userId="487bc3e3-9ce7-4cdd-b7b4-8899ea88d289" providerId="ADAL" clId="{1BAAA70E-921F-47F1-8CE8-3DD05F71A227}" dt="2025-10-28T09:11:28.538" v="3274" actId="478"/>
       <pc:docMkLst>
         <pc:docMk/>
       </pc:docMkLst>
@@ -180,46 +183,6 @@
             <ac:spMk id="3" creationId="{29C0DFD4-432D-4B0C-93DF-790441DCF5B9}"/>
           </ac:spMkLst>
         </pc:spChg>
-        <pc:spChg chg="del mod">
-          <ac:chgData name="Graf Thomas, SCS-INI-NET-VNC-E2E" userId="487bc3e3-9ce7-4cdd-b7b4-8899ea88d289" providerId="ADAL" clId="{1BAAA70E-921F-47F1-8CE8-3DD05F71A227}" dt="2025-10-25T07:10:33.919" v="1099" actId="478"/>
-          <ac:spMkLst>
-            <pc:docMk/>
-            <pc:sldMk cId="2617504443" sldId="2145706242"/>
-            <ac:spMk id="5" creationId="{A9CD1D68-6740-B60A-B5C6-3012DD46A668}"/>
-          </ac:spMkLst>
-        </pc:spChg>
-        <pc:spChg chg="del">
-          <ac:chgData name="Graf Thomas, SCS-INI-NET-VNC-E2E" userId="487bc3e3-9ce7-4cdd-b7b4-8899ea88d289" providerId="ADAL" clId="{1BAAA70E-921F-47F1-8CE8-3DD05F71A227}" dt="2025-10-25T06:56:14.863" v="39" actId="478"/>
-          <ac:spMkLst>
-            <pc:docMk/>
-            <pc:sldMk cId="2617504443" sldId="2145706242"/>
-            <ac:spMk id="7" creationId="{F1861884-AA79-8041-A708-D4652D546A08}"/>
-          </ac:spMkLst>
-        </pc:spChg>
-        <pc:spChg chg="add">
-          <ac:chgData name="Graf Thomas, SCS-INI-NET-VNC-E2E" userId="487bc3e3-9ce7-4cdd-b7b4-8899ea88d289" providerId="ADAL" clId="{1BAAA70E-921F-47F1-8CE8-3DD05F71A227}" dt="2025-10-25T07:07:48.024" v="872"/>
-          <ac:spMkLst>
-            <pc:docMk/>
-            <pc:sldMk cId="2617504443" sldId="2145706242"/>
-            <ac:spMk id="10" creationId="{875A66DF-028C-44F3-C460-C497120C6273}"/>
-          </ac:spMkLst>
-        </pc:spChg>
-        <pc:picChg chg="del">
-          <ac:chgData name="Graf Thomas, SCS-INI-NET-VNC-E2E" userId="487bc3e3-9ce7-4cdd-b7b4-8899ea88d289" providerId="ADAL" clId="{1BAAA70E-921F-47F1-8CE8-3DD05F71A227}" dt="2025-10-25T06:55:49.896" v="21" actId="478"/>
-          <ac:picMkLst>
-            <pc:docMk/>
-            <pc:sldMk cId="2617504443" sldId="2145706242"/>
-            <ac:picMk id="4" creationId="{3F6FE370-7B96-20ED-12F6-496CEBE7C7B7}"/>
-          </ac:picMkLst>
-        </pc:picChg>
-        <pc:picChg chg="add del mod ord">
-          <ac:chgData name="Graf Thomas, SCS-INI-NET-VNC-E2E" userId="487bc3e3-9ce7-4cdd-b7b4-8899ea88d289" providerId="ADAL" clId="{1BAAA70E-921F-47F1-8CE8-3DD05F71A227}" dt="2025-10-25T07:10:31.930" v="1098" actId="478"/>
-          <ac:picMkLst>
-            <pc:docMk/>
-            <pc:sldMk cId="2617504443" sldId="2145706242"/>
-            <ac:picMk id="9" creationId="{23919BF8-9445-867D-B069-6B33C31331C2}"/>
-          </ac:picMkLst>
-        </pc:picChg>
       </pc:sldChg>
       <pc:sldChg chg="modSp add mod">
         <pc:chgData name="Graf Thomas, SCS-INI-NET-VNC-E2E" userId="487bc3e3-9ce7-4cdd-b7b4-8899ea88d289" providerId="ADAL" clId="{1BAAA70E-921F-47F1-8CE8-3DD05F71A227}" dt="2025-10-26T13:40:53.571" v="2960" actId="20577"/>
@@ -250,38 +213,6 @@
           <pc:docMk/>
           <pc:sldMk cId="100426460" sldId="2145706244"/>
         </pc:sldMkLst>
-        <pc:spChg chg="mod">
-          <ac:chgData name="Graf Thomas, SCS-INI-NET-VNC-E2E" userId="487bc3e3-9ce7-4cdd-b7b4-8899ea88d289" providerId="ADAL" clId="{1BAAA70E-921F-47F1-8CE8-3DD05F71A227}" dt="2025-10-25T08:14:28.924" v="1709" actId="20577"/>
-          <ac:spMkLst>
-            <pc:docMk/>
-            <pc:sldMk cId="100426460" sldId="2145706244"/>
-            <ac:spMk id="2" creationId="{4B5777FE-A602-29B6-1A75-2B1EF3837A75}"/>
-          </ac:spMkLst>
-        </pc:spChg>
-        <pc:spChg chg="mod">
-          <ac:chgData name="Graf Thomas, SCS-INI-NET-VNC-E2E" userId="487bc3e3-9ce7-4cdd-b7b4-8899ea88d289" providerId="ADAL" clId="{1BAAA70E-921F-47F1-8CE8-3DD05F71A227}" dt="2025-10-25T08:14:31.279" v="1710" actId="6549"/>
-          <ac:spMkLst>
-            <pc:docMk/>
-            <pc:sldMk cId="100426460" sldId="2145706244"/>
-            <ac:spMk id="3" creationId="{68AAC1F6-6416-EC54-0205-FD9AD03A977A}"/>
-          </ac:spMkLst>
-        </pc:spChg>
-        <pc:spChg chg="del">
-          <ac:chgData name="Graf Thomas, SCS-INI-NET-VNC-E2E" userId="487bc3e3-9ce7-4cdd-b7b4-8899ea88d289" providerId="ADAL" clId="{1BAAA70E-921F-47F1-8CE8-3DD05F71A227}" dt="2025-10-25T08:14:38.928" v="1712" actId="478"/>
-          <ac:spMkLst>
-            <pc:docMk/>
-            <pc:sldMk cId="100426460" sldId="2145706244"/>
-            <ac:spMk id="5" creationId="{D95DA030-7C97-F1F4-00B7-CECED024BF95}"/>
-          </ac:spMkLst>
-        </pc:spChg>
-        <pc:picChg chg="del">
-          <ac:chgData name="Graf Thomas, SCS-INI-NET-VNC-E2E" userId="487bc3e3-9ce7-4cdd-b7b4-8899ea88d289" providerId="ADAL" clId="{1BAAA70E-921F-47F1-8CE8-3DD05F71A227}" dt="2025-10-25T08:14:36.580" v="1711" actId="478"/>
-          <ac:picMkLst>
-            <pc:docMk/>
-            <pc:sldMk cId="100426460" sldId="2145706244"/>
-            <ac:picMk id="9" creationId="{A9AF9A3D-D474-8B9B-FB28-B8ED11B96B82}"/>
-          </ac:picMkLst>
-        </pc:picChg>
       </pc:sldChg>
       <pc:sldChg chg="addSp delSp modSp add mod">
         <pc:chgData name="Graf Thomas, SCS-INI-NET-VNC-E2E" userId="487bc3e3-9ce7-4cdd-b7b4-8899ea88d289" providerId="ADAL" clId="{1BAAA70E-921F-47F1-8CE8-3DD05F71A227}" dt="2025-10-26T13:02:30.235" v="2959" actId="21"/>
@@ -313,30 +244,163 @@
             <ac:spMk id="4" creationId="{0E301C0F-66CA-73F9-A0FD-EA9585884704}"/>
           </ac:spMkLst>
         </pc:spChg>
-        <pc:spChg chg="del">
-          <ac:chgData name="Graf Thomas, SCS-INI-NET-VNC-E2E" userId="487bc3e3-9ce7-4cdd-b7b4-8899ea88d289" providerId="ADAL" clId="{1BAAA70E-921F-47F1-8CE8-3DD05F71A227}" dt="2025-10-26T12:38:32.437" v="1838" actId="478"/>
+      </pc:sldChg>
+      <pc:sldChg chg="addSp delSp modSp add mod">
+        <pc:chgData name="Graf Thomas, SCS-INI-NET-VNC-E2E" userId="487bc3e3-9ce7-4cdd-b7b4-8899ea88d289" providerId="ADAL" clId="{1BAAA70E-921F-47F1-8CE8-3DD05F71A227}" dt="2025-10-28T09:06:20.352" v="3260" actId="790"/>
+        <pc:sldMkLst>
+          <pc:docMk/>
+          <pc:sldMk cId="1877027452" sldId="2145706245"/>
+        </pc:sldMkLst>
+        <pc:spChg chg="mod">
+          <ac:chgData name="Graf Thomas, SCS-INI-NET-VNC-E2E" userId="487bc3e3-9ce7-4cdd-b7b4-8899ea88d289" providerId="ADAL" clId="{1BAAA70E-921F-47F1-8CE8-3DD05F71A227}" dt="2025-10-28T09:06:20.352" v="3260" actId="790"/>
           <ac:spMkLst>
             <pc:docMk/>
-            <pc:sldMk cId="388497335" sldId="2145706244"/>
-            <ac:spMk id="5" creationId="{439FD1FB-FB95-2881-C6B7-53A1D86734F3}"/>
+            <pc:sldMk cId="1877027452" sldId="2145706245"/>
+            <ac:spMk id="2" creationId="{AF363DE5-D7A4-3591-E3FF-650F77756614}"/>
           </ac:spMkLst>
         </pc:spChg>
-        <pc:graphicFrameChg chg="add mod">
-          <ac:chgData name="Graf Thomas, SCS-INI-NET-VNC-E2E" userId="487bc3e3-9ce7-4cdd-b7b4-8899ea88d289" providerId="ADAL" clId="{1BAAA70E-921F-47F1-8CE8-3DD05F71A227}" dt="2025-10-26T12:44:28.221" v="2389"/>
+        <pc:spChg chg="del mod">
+          <ac:chgData name="Graf Thomas, SCS-INI-NET-VNC-E2E" userId="487bc3e3-9ce7-4cdd-b7b4-8899ea88d289" providerId="ADAL" clId="{1BAAA70E-921F-47F1-8CE8-3DD05F71A227}" dt="2025-10-28T08:57:01.461" v="3100" actId="478"/>
+          <ac:spMkLst>
+            <pc:docMk/>
+            <pc:sldMk cId="1877027452" sldId="2145706245"/>
+            <ac:spMk id="3" creationId="{61809A2F-6983-85BB-F5B3-C494F5706379}"/>
+          </ac:spMkLst>
+        </pc:spChg>
+        <pc:spChg chg="del">
+          <ac:chgData name="Graf Thomas, SCS-INI-NET-VNC-E2E" userId="487bc3e3-9ce7-4cdd-b7b4-8899ea88d289" providerId="ADAL" clId="{1BAAA70E-921F-47F1-8CE8-3DD05F71A227}" dt="2025-10-28T08:53:29.096" v="3000" actId="478"/>
+          <ac:spMkLst>
+            <pc:docMk/>
+            <pc:sldMk cId="1877027452" sldId="2145706245"/>
+            <ac:spMk id="4" creationId="{DBC866BC-7EB5-8A97-E4AB-ABBE74A4935E}"/>
+          </ac:spMkLst>
+        </pc:spChg>
+        <pc:spChg chg="mod">
+          <ac:chgData name="Graf Thomas, SCS-INI-NET-VNC-E2E" userId="487bc3e3-9ce7-4cdd-b7b4-8899ea88d289" providerId="ADAL" clId="{1BAAA70E-921F-47F1-8CE8-3DD05F71A227}" dt="2025-10-28T09:06:20.352" v="3260" actId="790"/>
+          <ac:spMkLst>
+            <pc:docMk/>
+            <pc:sldMk cId="1877027452" sldId="2145706245"/>
+            <ac:spMk id="8" creationId="{12350B8A-B723-6442-A68D-9157CC58CFAC}"/>
+          </ac:spMkLst>
+        </pc:spChg>
+        <pc:spChg chg="add del mod">
+          <ac:chgData name="Graf Thomas, SCS-INI-NET-VNC-E2E" userId="487bc3e3-9ce7-4cdd-b7b4-8899ea88d289" providerId="ADAL" clId="{1BAAA70E-921F-47F1-8CE8-3DD05F71A227}" dt="2025-10-28T08:57:21.819" v="3104" actId="478"/>
+          <ac:spMkLst>
+            <pc:docMk/>
+            <pc:sldMk cId="1877027452" sldId="2145706245"/>
+            <ac:spMk id="9" creationId="{E4525D69-8E72-188D-55DD-70DDE86AA576}"/>
+          </ac:spMkLst>
+        </pc:spChg>
+        <pc:spChg chg="add del">
+          <ac:chgData name="Graf Thomas, SCS-INI-NET-VNC-E2E" userId="487bc3e3-9ce7-4cdd-b7b4-8899ea88d289" providerId="ADAL" clId="{1BAAA70E-921F-47F1-8CE8-3DD05F71A227}" dt="2025-10-28T09:02:07.658" v="3192" actId="478"/>
+          <ac:spMkLst>
+            <pc:docMk/>
+            <pc:sldMk cId="1877027452" sldId="2145706245"/>
+            <ac:spMk id="10" creationId="{29FD1254-06FB-8490-13D9-2566A8CB9D5C}"/>
+          </ac:spMkLst>
+        </pc:spChg>
+        <pc:spChg chg="add mod">
+          <ac:chgData name="Graf Thomas, SCS-INI-NET-VNC-E2E" userId="487bc3e3-9ce7-4cdd-b7b4-8899ea88d289" providerId="ADAL" clId="{1BAAA70E-921F-47F1-8CE8-3DD05F71A227}" dt="2025-10-28T09:06:20.352" v="3260" actId="790"/>
+          <ac:spMkLst>
+            <pc:docMk/>
+            <pc:sldMk cId="1877027452" sldId="2145706245"/>
+            <ac:spMk id="11" creationId="{CF87792E-D2F9-941B-C564-FFA7FE8DB78D}"/>
+          </ac:spMkLst>
+        </pc:spChg>
+        <pc:graphicFrameChg chg="add del mod modGraphic">
+          <ac:chgData name="Graf Thomas, SCS-INI-NET-VNC-E2E" userId="487bc3e3-9ce7-4cdd-b7b4-8899ea88d289" providerId="ADAL" clId="{1BAAA70E-921F-47F1-8CE8-3DD05F71A227}" dt="2025-10-28T08:55:12.190" v="3045" actId="478"/>
           <ac:graphicFrameMkLst>
             <pc:docMk/>
-            <pc:sldMk cId="388497335" sldId="2145706244"/>
-            <ac:graphicFrameMk id="6" creationId="{8057A107-F501-4C4F-B685-035ED0454FD6}"/>
+            <pc:sldMk cId="1877027452" sldId="2145706245"/>
+            <ac:graphicFrameMk id="5" creationId="{B80F9C3A-9A0E-6138-4525-24222C2EEA1F}"/>
           </ac:graphicFrameMkLst>
         </pc:graphicFrameChg>
-        <pc:picChg chg="del">
-          <ac:chgData name="Graf Thomas, SCS-INI-NET-VNC-E2E" userId="487bc3e3-9ce7-4cdd-b7b4-8899ea88d289" providerId="ADAL" clId="{1BAAA70E-921F-47F1-8CE8-3DD05F71A227}" dt="2025-10-26T12:38:31.115" v="1837" actId="478"/>
-          <ac:picMkLst>
+        <pc:graphicFrameChg chg="add mod modGraphic">
+          <ac:chgData name="Graf Thomas, SCS-INI-NET-VNC-E2E" userId="487bc3e3-9ce7-4cdd-b7b4-8899ea88d289" providerId="ADAL" clId="{1BAAA70E-921F-47F1-8CE8-3DD05F71A227}" dt="2025-10-28T09:03:17.945" v="3225" actId="20577"/>
+          <ac:graphicFrameMkLst>
             <pc:docMk/>
-            <pc:sldMk cId="388497335" sldId="2145706244"/>
-            <ac:picMk id="9" creationId="{AD83A717-98D2-8F67-426B-541511A37C81}"/>
-          </ac:picMkLst>
-        </pc:picChg>
+            <pc:sldMk cId="1877027452" sldId="2145706245"/>
+            <ac:graphicFrameMk id="6" creationId="{86837E2C-7DD9-62B8-E009-509CDFF94BF9}"/>
+          </ac:graphicFrameMkLst>
+        </pc:graphicFrameChg>
+      </pc:sldChg>
+      <pc:sldChg chg="modSp add mod">
+        <pc:chgData name="Graf Thomas, SCS-INI-NET-VNC-E2E" userId="487bc3e3-9ce7-4cdd-b7b4-8899ea88d289" providerId="ADAL" clId="{1BAAA70E-921F-47F1-8CE8-3DD05F71A227}" dt="2025-10-28T09:06:12.054" v="3259" actId="790"/>
+        <pc:sldMkLst>
+          <pc:docMk/>
+          <pc:sldMk cId="4476213" sldId="2145706246"/>
+        </pc:sldMkLst>
+        <pc:spChg chg="mod">
+          <ac:chgData name="Graf Thomas, SCS-INI-NET-VNC-E2E" userId="487bc3e3-9ce7-4cdd-b7b4-8899ea88d289" providerId="ADAL" clId="{1BAAA70E-921F-47F1-8CE8-3DD05F71A227}" dt="2025-10-28T09:06:12.054" v="3259" actId="790"/>
+          <ac:spMkLst>
+            <pc:docMk/>
+            <pc:sldMk cId="4476213" sldId="2145706246"/>
+            <ac:spMk id="2" creationId="{237B38BF-943B-E87B-35FF-EC15CB8E47A9}"/>
+          </ac:spMkLst>
+        </pc:spChg>
+        <pc:spChg chg="mod">
+          <ac:chgData name="Graf Thomas, SCS-INI-NET-VNC-E2E" userId="487bc3e3-9ce7-4cdd-b7b4-8899ea88d289" providerId="ADAL" clId="{1BAAA70E-921F-47F1-8CE8-3DD05F71A227}" dt="2025-10-28T09:06:12.054" v="3259" actId="790"/>
+          <ac:spMkLst>
+            <pc:docMk/>
+            <pc:sldMk cId="4476213" sldId="2145706246"/>
+            <ac:spMk id="8" creationId="{2B59FCFE-20E3-BD78-B5F4-C48AB55E6255}"/>
+          </ac:spMkLst>
+        </pc:spChg>
+        <pc:spChg chg="mod">
+          <ac:chgData name="Graf Thomas, SCS-INI-NET-VNC-E2E" userId="487bc3e3-9ce7-4cdd-b7b4-8899ea88d289" providerId="ADAL" clId="{1BAAA70E-921F-47F1-8CE8-3DD05F71A227}" dt="2025-10-28T09:06:12.054" v="3259" actId="790"/>
+          <ac:spMkLst>
+            <pc:docMk/>
+            <pc:sldMk cId="4476213" sldId="2145706246"/>
+            <ac:spMk id="11" creationId="{5214FD9D-0CC4-FBBB-E1C6-B862B51697A9}"/>
+          </ac:spMkLst>
+        </pc:spChg>
+        <pc:graphicFrameChg chg="mod modGraphic">
+          <ac:chgData name="Graf Thomas, SCS-INI-NET-VNC-E2E" userId="487bc3e3-9ce7-4cdd-b7b4-8899ea88d289" providerId="ADAL" clId="{1BAAA70E-921F-47F1-8CE8-3DD05F71A227}" dt="2025-10-28T09:05:56.772" v="3258" actId="20577"/>
+          <ac:graphicFrameMkLst>
+            <pc:docMk/>
+            <pc:sldMk cId="4476213" sldId="2145706246"/>
+            <ac:graphicFrameMk id="6" creationId="{4E7CEF41-5DBF-BE8C-3E2D-7F5D56B757D3}"/>
+          </ac:graphicFrameMkLst>
+        </pc:graphicFrameChg>
+      </pc:sldChg>
+      <pc:sldChg chg="addSp delSp modSp add mod">
+        <pc:chgData name="Graf Thomas, SCS-INI-NET-VNC-E2E" userId="487bc3e3-9ce7-4cdd-b7b4-8899ea88d289" providerId="ADAL" clId="{1BAAA70E-921F-47F1-8CE8-3DD05F71A227}" dt="2025-10-28T09:11:28.538" v="3274" actId="478"/>
+        <pc:sldMkLst>
+          <pc:docMk/>
+          <pc:sldMk cId="1911218804" sldId="2145706247"/>
+        </pc:sldMkLst>
+        <pc:spChg chg="del">
+          <ac:chgData name="Graf Thomas, SCS-INI-NET-VNC-E2E" userId="487bc3e3-9ce7-4cdd-b7b4-8899ea88d289" providerId="ADAL" clId="{1BAAA70E-921F-47F1-8CE8-3DD05F71A227}" dt="2025-10-28T09:11:25.662" v="3273" actId="478"/>
+          <ac:spMkLst>
+            <pc:docMk/>
+            <pc:sldMk cId="1911218804" sldId="2145706247"/>
+            <ac:spMk id="2" creationId="{4947FD74-42FE-3086-5158-C0D959905D82}"/>
+          </ac:spMkLst>
+        </pc:spChg>
+        <pc:spChg chg="mod">
+          <ac:chgData name="Graf Thomas, SCS-INI-NET-VNC-E2E" userId="487bc3e3-9ce7-4cdd-b7b4-8899ea88d289" providerId="ADAL" clId="{1BAAA70E-921F-47F1-8CE8-3DD05F71A227}" dt="2025-10-28T09:11:22.831" v="3272" actId="14100"/>
+          <ac:spMkLst>
+            <pc:docMk/>
+            <pc:sldMk cId="1911218804" sldId="2145706247"/>
+            <ac:spMk id="3" creationId="{63523839-2C3F-C4EE-4589-82ED2EE031BF}"/>
+          </ac:spMkLst>
+        </pc:spChg>
+        <pc:spChg chg="del">
+          <ac:chgData name="Graf Thomas, SCS-INI-NET-VNC-E2E" userId="487bc3e3-9ce7-4cdd-b7b4-8899ea88d289" providerId="ADAL" clId="{1BAAA70E-921F-47F1-8CE8-3DD05F71A227}" dt="2025-10-28T09:10:53.102" v="3262" actId="478"/>
+          <ac:spMkLst>
+            <pc:docMk/>
+            <pc:sldMk cId="1911218804" sldId="2145706247"/>
+            <ac:spMk id="4" creationId="{F53CEE2B-0A8D-E419-8200-E6C450480C17}"/>
+          </ac:spMkLst>
+        </pc:spChg>
+        <pc:spChg chg="add del mod">
+          <ac:chgData name="Graf Thomas, SCS-INI-NET-VNC-E2E" userId="487bc3e3-9ce7-4cdd-b7b4-8899ea88d289" providerId="ADAL" clId="{1BAAA70E-921F-47F1-8CE8-3DD05F71A227}" dt="2025-10-28T09:11:28.538" v="3274" actId="478"/>
+          <ac:spMkLst>
+            <pc:docMk/>
+            <pc:sldMk cId="1911218804" sldId="2145706247"/>
+            <ac:spMk id="6" creationId="{0D9A503E-12B0-B519-7B37-33E23665D8C7}"/>
+          </ac:spMkLst>
+        </pc:spChg>
       </pc:sldChg>
     </pc:docChg>
   </pc:docChgLst>
@@ -425,7 +489,7 @@
           <a:p>
             <a:fld id="{E5E705E9-673F-4AC4-B29E-A7B26F3B8523}" type="datetimeFigureOut">
               <a:rPr lang="de-CH" smtClean="0"/>
-              <a:t>26.10.2025</a:t>
+              <a:t>28.10.2025</a:t>
             </a:fld>
             <a:endParaRPr lang="de-CH"/>
           </a:p>
@@ -842,7 +906,7 @@
           <a:p>
             <a:fld id="{9E9B238C-2335-4007-98C9-471C02CC43B6}" type="datetimeFigureOut">
               <a:rPr lang="de-CH" smtClean="0"/>
-              <a:t>26.10.2025</a:t>
+              <a:t>28.10.2025</a:t>
             </a:fld>
             <a:endParaRPr lang="de-CH"/>
           </a:p>
@@ -1042,7 +1106,7 @@
           <a:p>
             <a:fld id="{9E9B238C-2335-4007-98C9-471C02CC43B6}" type="datetimeFigureOut">
               <a:rPr lang="de-CH" smtClean="0"/>
-              <a:t>26.10.2025</a:t>
+              <a:t>28.10.2025</a:t>
             </a:fld>
             <a:endParaRPr lang="de-CH"/>
           </a:p>
@@ -1252,7 +1316,7 @@
           <a:p>
             <a:fld id="{9E9B238C-2335-4007-98C9-471C02CC43B6}" type="datetimeFigureOut">
               <a:rPr lang="de-CH" smtClean="0"/>
-              <a:t>26.10.2025</a:t>
+              <a:t>28.10.2025</a:t>
             </a:fld>
             <a:endParaRPr lang="de-CH"/>
           </a:p>
@@ -1452,7 +1516,7 @@
           <a:p>
             <a:fld id="{9E9B238C-2335-4007-98C9-471C02CC43B6}" type="datetimeFigureOut">
               <a:rPr lang="de-CH" smtClean="0"/>
-              <a:t>26.10.2025</a:t>
+              <a:t>28.10.2025</a:t>
             </a:fld>
             <a:endParaRPr lang="de-CH"/>
           </a:p>
@@ -1728,7 +1792,7 @@
           <a:p>
             <a:fld id="{9E9B238C-2335-4007-98C9-471C02CC43B6}" type="datetimeFigureOut">
               <a:rPr lang="de-CH" smtClean="0"/>
-              <a:t>26.10.2025</a:t>
+              <a:t>28.10.2025</a:t>
             </a:fld>
             <a:endParaRPr lang="de-CH"/>
           </a:p>
@@ -1996,7 +2060,7 @@
           <a:p>
             <a:fld id="{9E9B238C-2335-4007-98C9-471C02CC43B6}" type="datetimeFigureOut">
               <a:rPr lang="de-CH" smtClean="0"/>
-              <a:t>26.10.2025</a:t>
+              <a:t>28.10.2025</a:t>
             </a:fld>
             <a:endParaRPr lang="de-CH"/>
           </a:p>
@@ -2411,7 +2475,7 @@
           <a:p>
             <a:fld id="{9E9B238C-2335-4007-98C9-471C02CC43B6}" type="datetimeFigureOut">
               <a:rPr lang="de-CH" smtClean="0"/>
-              <a:t>26.10.2025</a:t>
+              <a:t>28.10.2025</a:t>
             </a:fld>
             <a:endParaRPr lang="de-CH"/>
           </a:p>
@@ -2553,7 +2617,7 @@
           <a:p>
             <a:fld id="{9E9B238C-2335-4007-98C9-471C02CC43B6}" type="datetimeFigureOut">
               <a:rPr lang="de-CH" smtClean="0"/>
-              <a:t>26.10.2025</a:t>
+              <a:t>28.10.2025</a:t>
             </a:fld>
             <a:endParaRPr lang="de-CH"/>
           </a:p>
@@ -2666,7 +2730,7 @@
           <a:p>
             <a:fld id="{9E9B238C-2335-4007-98C9-471C02CC43B6}" type="datetimeFigureOut">
               <a:rPr lang="de-CH" smtClean="0"/>
-              <a:t>26.10.2025</a:t>
+              <a:t>28.10.2025</a:t>
             </a:fld>
             <a:endParaRPr lang="de-CH"/>
           </a:p>
@@ -2979,7 +3043,7 @@
           <a:p>
             <a:fld id="{9E9B238C-2335-4007-98C9-471C02CC43B6}" type="datetimeFigureOut">
               <a:rPr lang="de-CH" smtClean="0"/>
-              <a:t>26.10.2025</a:t>
+              <a:t>28.10.2025</a:t>
             </a:fld>
             <a:endParaRPr lang="de-CH"/>
           </a:p>
@@ -3268,7 +3332,7 @@
           <a:p>
             <a:fld id="{9E9B238C-2335-4007-98C9-471C02CC43B6}" type="datetimeFigureOut">
               <a:rPr lang="de-CH" smtClean="0"/>
-              <a:t>26.10.2025</a:t>
+              <a:t>28.10.2025</a:t>
             </a:fld>
             <a:endParaRPr lang="de-CH"/>
           </a:p>
@@ -3511,7 +3575,7 @@
           <a:p>
             <a:fld id="{9E9B238C-2335-4007-98C9-471C02CC43B6}" type="datetimeFigureOut">
               <a:rPr lang="de-CH" smtClean="0"/>
-              <a:t>26.10.2025</a:t>
+              <a:t>28.10.2025</a:t>
             </a:fld>
             <a:endParaRPr lang="de-CH"/>
           </a:p>
@@ -5295,22 +5359,13 @@
               <a:buChar char="Ø"/>
             </a:pPr>
             <a:r>
-              <a:rPr lang="en-US" sz="1800" b="1">
-                <a:solidFill>
-                  <a:srgbClr val="FF0000"/>
-                </a:solidFill>
-                <a:latin typeface="Calibri Body"/>
-              </a:rPr>
-              <a:t>The </a:t>
-            </a:r>
-            <a:r>
               <a:rPr lang="en-US" sz="1800" b="1" dirty="0">
                 <a:solidFill>
                   <a:srgbClr val="FF0000"/>
                 </a:solidFill>
                 <a:latin typeface="Calibri Body"/>
               </a:rPr>
-              <a:t>authors suggest to trigger an early OPS directorate review to gauge wherever we have missed anything from an operations or management perspective.</a:t>
+              <a:t>The authors suggest to trigger an early OPS directorate review to gauge wherever we have missed anything from an operations or management perspective.</a:t>
             </a:r>
           </a:p>
           <a:p>
@@ -5676,6 +5731,1629 @@
     <p:extLst>
       <p:ext uri="{BB962C8B-B14F-4D97-AF65-F5344CB8AC3E}">
         <p14:creationId xmlns:p14="http://schemas.microsoft.com/office/powerpoint/2010/main" val="388497335"/>
+      </p:ext>
+    </p:extLst>
+  </p:cSld>
+  <p:clrMapOvr>
+    <a:masterClrMapping/>
+  </p:clrMapOvr>
+</p:sld>
+</file>
+
+<file path=ppt/slides/slide5.xml><?xml version="1.0" encoding="utf-8"?>
+<p:sld xmlns:a="http://schemas.openxmlformats.org/drawingml/2006/main" xmlns:r="http://schemas.openxmlformats.org/officeDocument/2006/relationships" xmlns:p="http://schemas.openxmlformats.org/presentationml/2006/main">
+  <p:cSld>
+    <p:spTree>
+      <p:nvGrpSpPr>
+        <p:cNvPr id="1" name="">
+          <a:extLst>
+            <a:ext uri="{FF2B5EF4-FFF2-40B4-BE49-F238E27FC236}">
+              <a16:creationId xmlns:a16="http://schemas.microsoft.com/office/drawing/2014/main" id="{30E4093C-DC3C-6F06-B43A-DA49375F215B}"/>
+            </a:ext>
+          </a:extLst>
+        </p:cNvPr>
+        <p:cNvGrpSpPr/>
+        <p:nvPr/>
+      </p:nvGrpSpPr>
+      <p:grpSpPr>
+        <a:xfrm>
+          <a:off x="0" y="0"/>
+          <a:ext cx="0" cy="0"/>
+          <a:chOff x="0" y="0"/>
+          <a:chExt cx="0" cy="0"/>
+        </a:xfrm>
+      </p:grpSpPr>
+      <p:sp>
+        <p:nvSpPr>
+          <p:cNvPr id="3" name="Content Placeholder 2">
+            <a:extLst>
+              <a:ext uri="{FF2B5EF4-FFF2-40B4-BE49-F238E27FC236}">
+                <a16:creationId xmlns:a16="http://schemas.microsoft.com/office/drawing/2014/main" id="{63523839-2C3F-C4EE-4589-82ED2EE031BF}"/>
+              </a:ext>
+            </a:extLst>
+          </p:cNvPr>
+          <p:cNvSpPr>
+            <a:spLocks noGrp="1"/>
+          </p:cNvSpPr>
+          <p:nvPr>
+            <p:ph idx="1"/>
+          </p:nvPr>
+        </p:nvSpPr>
+        <p:spPr>
+          <a:xfrm>
+            <a:off x="838200" y="2570480"/>
+            <a:ext cx="10886440" cy="3606484"/>
+          </a:xfrm>
+        </p:spPr>
+        <p:txBody>
+          <a:bodyPr>
+            <a:noAutofit/>
+          </a:bodyPr>
+          <a:lstStyle/>
+          <a:p>
+            <a:pPr marL="0" indent="0" algn="ctr">
+              <a:buNone/>
+            </a:pPr>
+            <a:r>
+              <a:rPr lang="en-US" sz="7200" dirty="0">
+                <a:latin typeface="Calibri Body"/>
+              </a:rPr>
+              <a:t>Backup</a:t>
+            </a:r>
+            <a:endParaRPr lang="en-US" sz="7200" dirty="0">
+              <a:solidFill>
+                <a:srgbClr val="FF0000"/>
+              </a:solidFill>
+              <a:latin typeface="Calibri Body"/>
+            </a:endParaRPr>
+          </a:p>
+        </p:txBody>
+      </p:sp>
+      <p:sp>
+        <p:nvSpPr>
+          <p:cNvPr id="8" name="Slide Number Placeholder 1">
+            <a:extLst>
+              <a:ext uri="{FF2B5EF4-FFF2-40B4-BE49-F238E27FC236}">
+                <a16:creationId xmlns:a16="http://schemas.microsoft.com/office/drawing/2014/main" id="{D039C72B-B5FE-3699-647F-08CDE22C48B3}"/>
+              </a:ext>
+            </a:extLst>
+          </p:cNvPr>
+          <p:cNvSpPr>
+            <a:spLocks noGrp="1"/>
+          </p:cNvSpPr>
+          <p:nvPr>
+            <p:ph type="sldNum" sz="quarter" idx="12"/>
+          </p:nvPr>
+        </p:nvSpPr>
+        <p:spPr>
+          <a:xfrm>
+            <a:off x="11587892" y="6361637"/>
+            <a:ext cx="414251" cy="365125"/>
+          </a:xfrm>
+        </p:spPr>
+        <p:txBody>
+          <a:bodyPr/>
+          <a:lstStyle/>
+          <a:p>
+            <a:fld id="{FC4AC485-25DE-431E-B345-9C0A15BB7F8A}" type="slidenum">
+              <a:rPr lang="de-CH" sz="1400" smtClean="0"/>
+              <a:t>5</a:t>
+            </a:fld>
+            <a:endParaRPr lang="de-CH" sz="1400" dirty="0"/>
+          </a:p>
+        </p:txBody>
+      </p:sp>
+    </p:spTree>
+    <p:extLst>
+      <p:ext uri="{BB962C8B-B14F-4D97-AF65-F5344CB8AC3E}">
+        <p14:creationId xmlns:p14="http://schemas.microsoft.com/office/powerpoint/2010/main" val="1911218804"/>
+      </p:ext>
+    </p:extLst>
+  </p:cSld>
+  <p:clrMapOvr>
+    <a:masterClrMapping/>
+  </p:clrMapOvr>
+</p:sld>
+</file>
+
+<file path=ppt/slides/slide6.xml><?xml version="1.0" encoding="utf-8"?>
+<p:sld xmlns:a="http://schemas.openxmlformats.org/drawingml/2006/main" xmlns:r="http://schemas.openxmlformats.org/officeDocument/2006/relationships" xmlns:p="http://schemas.openxmlformats.org/presentationml/2006/main">
+  <p:cSld>
+    <p:spTree>
+      <p:nvGrpSpPr>
+        <p:cNvPr id="1" name="">
+          <a:extLst>
+            <a:ext uri="{FF2B5EF4-FFF2-40B4-BE49-F238E27FC236}">
+              <a16:creationId xmlns:a16="http://schemas.microsoft.com/office/drawing/2014/main" id="{5F2B90EF-8FB5-5112-4E13-96584E18D23F}"/>
+            </a:ext>
+          </a:extLst>
+        </p:cNvPr>
+        <p:cNvGrpSpPr/>
+        <p:nvPr/>
+      </p:nvGrpSpPr>
+      <p:grpSpPr>
+        <a:xfrm>
+          <a:off x="0" y="0"/>
+          <a:ext cx="0" cy="0"/>
+          <a:chOff x="0" y="0"/>
+          <a:chExt cx="0" cy="0"/>
+        </a:xfrm>
+      </p:grpSpPr>
+      <p:sp>
+        <p:nvSpPr>
+          <p:cNvPr id="2" name="Title 1">
+            <a:extLst>
+              <a:ext uri="{FF2B5EF4-FFF2-40B4-BE49-F238E27FC236}">
+                <a16:creationId xmlns:a16="http://schemas.microsoft.com/office/drawing/2014/main" id="{AF363DE5-D7A4-3591-E3FF-650F77756614}"/>
+              </a:ext>
+            </a:extLst>
+          </p:cNvPr>
+          <p:cNvSpPr>
+            <a:spLocks noGrp="1"/>
+          </p:cNvSpPr>
+          <p:nvPr>
+            <p:ph type="title"/>
+          </p:nvPr>
+        </p:nvSpPr>
+        <p:spPr/>
+        <p:txBody>
+          <a:bodyPr>
+            <a:normAutofit/>
+          </a:bodyPr>
+          <a:lstStyle/>
+          <a:p>
+            <a:r>
+              <a:rPr lang="en-US" sz="2800" b="1" dirty="0"/>
+              <a:t>An Architecture for YANG-Push to Message Broker Integration</a:t>
+            </a:r>
+            <a:br>
+              <a:rPr lang="en-US" sz="3600" dirty="0"/>
+            </a:br>
+            <a:r>
+              <a:rPr lang="en-US" sz="2700" dirty="0">
+                <a:solidFill>
+                  <a:schemeClr val="bg2">
+                    <a:lumMod val="75000"/>
+                  </a:schemeClr>
+                </a:solidFill>
+              </a:rPr>
+              <a:t>Normative References, State and Reviewers</a:t>
+            </a:r>
+          </a:p>
+        </p:txBody>
+      </p:sp>
+      <p:sp>
+        <p:nvSpPr>
+          <p:cNvPr id="8" name="Slide Number Placeholder 1">
+            <a:extLst>
+              <a:ext uri="{FF2B5EF4-FFF2-40B4-BE49-F238E27FC236}">
+                <a16:creationId xmlns:a16="http://schemas.microsoft.com/office/drawing/2014/main" id="{12350B8A-B723-6442-A68D-9157CC58CFAC}"/>
+              </a:ext>
+            </a:extLst>
+          </p:cNvPr>
+          <p:cNvSpPr>
+            <a:spLocks noGrp="1"/>
+          </p:cNvSpPr>
+          <p:nvPr>
+            <p:ph type="sldNum" sz="quarter" idx="12"/>
+          </p:nvPr>
+        </p:nvSpPr>
+        <p:spPr>
+          <a:xfrm>
+            <a:off x="11587892" y="6361637"/>
+            <a:ext cx="414251" cy="365125"/>
+          </a:xfrm>
+        </p:spPr>
+        <p:txBody>
+          <a:bodyPr/>
+          <a:lstStyle/>
+          <a:p>
+            <a:fld id="{FC4AC485-25DE-431E-B345-9C0A15BB7F8A}" type="slidenum">
+              <a:rPr lang="en-US" sz="1400" smtClean="0"/>
+              <a:t>6</a:t>
+            </a:fld>
+            <a:endParaRPr lang="en-US" sz="1400" dirty="0"/>
+          </a:p>
+        </p:txBody>
+      </p:sp>
+      <p:graphicFrame>
+        <p:nvGraphicFramePr>
+          <p:cNvPr id="6" name="Table 5">
+            <a:extLst>
+              <a:ext uri="{FF2B5EF4-FFF2-40B4-BE49-F238E27FC236}">
+                <a16:creationId xmlns:a16="http://schemas.microsoft.com/office/drawing/2014/main" id="{86837E2C-7DD9-62B8-E009-509CDFF94BF9}"/>
+              </a:ext>
+            </a:extLst>
+          </p:cNvPr>
+          <p:cNvGraphicFramePr>
+            <a:graphicFrameLocks noGrp="1"/>
+          </p:cNvGraphicFramePr>
+          <p:nvPr>
+            <p:extLst>
+              <p:ext uri="{D42A27DB-BD31-4B8C-83A1-F6EECF244321}">
+                <p14:modId xmlns:p14="http://schemas.microsoft.com/office/powerpoint/2010/main" val="1661814293"/>
+              </p:ext>
+            </p:extLst>
+          </p:nvPr>
+        </p:nvGraphicFramePr>
+        <p:xfrm>
+          <a:off x="919480" y="1601359"/>
+          <a:ext cx="10927079" cy="4577080"/>
+        </p:xfrm>
+        <a:graphic>
+          <a:graphicData uri="http://schemas.openxmlformats.org/drawingml/2006/table">
+            <a:tbl>
+              <a:tblPr firstRow="1" bandRow="1">
+                <a:tableStyleId>{C083E6E3-FA7D-4D7B-A595-EF9225AFEA82}</a:tableStyleId>
+              </a:tblPr>
+              <a:tblGrid>
+                <a:gridCol w="1753468">
+                  <a:extLst>
+                    <a:ext uri="{9D8B030D-6E8A-4147-A177-3AD203B41FA5}">
+                      <a16:colId xmlns:a16="http://schemas.microsoft.com/office/drawing/2014/main" val="862637982"/>
+                    </a:ext>
+                  </a:extLst>
+                </a:gridCol>
+                <a:gridCol w="3725470">
+                  <a:extLst>
+                    <a:ext uri="{9D8B030D-6E8A-4147-A177-3AD203B41FA5}">
+                      <a16:colId xmlns:a16="http://schemas.microsoft.com/office/drawing/2014/main" val="3802101120"/>
+                    </a:ext>
+                  </a:extLst>
+                </a:gridCol>
+                <a:gridCol w="1893954">
+                  <a:extLst>
+                    <a:ext uri="{9D8B030D-6E8A-4147-A177-3AD203B41FA5}">
+                      <a16:colId xmlns:a16="http://schemas.microsoft.com/office/drawing/2014/main" val="2584922424"/>
+                    </a:ext>
+                  </a:extLst>
+                </a:gridCol>
+                <a:gridCol w="3554187">
+                  <a:extLst>
+                    <a:ext uri="{9D8B030D-6E8A-4147-A177-3AD203B41FA5}">
+                      <a16:colId xmlns:a16="http://schemas.microsoft.com/office/drawing/2014/main" val="3508605202"/>
+                    </a:ext>
+                  </a:extLst>
+                </a:gridCol>
+              </a:tblGrid>
+              <a:tr h="370840">
+                <a:tc>
+                  <a:txBody>
+                    <a:bodyPr/>
+                    <a:lstStyle/>
+                    <a:p>
+                      <a:r>
+                        <a:rPr lang="de-CH" dirty="0"/>
+                        <a:t>Working Group</a:t>
+                      </a:r>
+                    </a:p>
+                  </a:txBody>
+                  <a:tcPr/>
+                </a:tc>
+                <a:tc>
+                  <a:txBody>
+                    <a:bodyPr/>
+                    <a:lstStyle/>
+                    <a:p>
+                      <a:r>
+                        <a:rPr lang="de-CH" dirty="0" err="1"/>
+                        <a:t>Document</a:t>
+                      </a:r>
+                      <a:r>
+                        <a:rPr lang="de-CH" dirty="0"/>
+                        <a:t> Name</a:t>
+                      </a:r>
+                    </a:p>
+                  </a:txBody>
+                  <a:tcPr/>
+                </a:tc>
+                <a:tc>
+                  <a:txBody>
+                    <a:bodyPr/>
+                    <a:lstStyle/>
+                    <a:p>
+                      <a:r>
+                        <a:rPr lang="de-CH" dirty="0" err="1"/>
+                        <a:t>Document</a:t>
+                      </a:r>
+                      <a:r>
+                        <a:rPr lang="de-CH" dirty="0"/>
+                        <a:t> State</a:t>
+                      </a:r>
+                    </a:p>
+                  </a:txBody>
+                  <a:tcPr/>
+                </a:tc>
+                <a:tc>
+                  <a:txBody>
+                    <a:bodyPr/>
+                    <a:lstStyle/>
+                    <a:p>
+                      <a:r>
+                        <a:rPr lang="de-CH" dirty="0"/>
+                        <a:t>Reviews</a:t>
+                      </a:r>
+                    </a:p>
+                  </a:txBody>
+                  <a:tcPr/>
+                </a:tc>
+                <a:extLst>
+                  <a:ext uri="{0D108BD9-81ED-4DB2-BD59-A6C34878D82A}">
+                    <a16:rowId xmlns:a16="http://schemas.microsoft.com/office/drawing/2014/main" val="4040162611"/>
+                  </a:ext>
+                </a:extLst>
+              </a:tr>
+              <a:tr h="370840">
+                <a:tc>
+                  <a:txBody>
+                    <a:bodyPr/>
+                    <a:lstStyle/>
+                    <a:p>
+                      <a:r>
+                        <a:rPr lang="de-CH" sz="1200" dirty="0"/>
+                        <a:t>NETCONF</a:t>
+                      </a:r>
+                    </a:p>
+                  </a:txBody>
+                  <a:tcPr/>
+                </a:tc>
+                <a:tc>
+                  <a:txBody>
+                    <a:bodyPr/>
+                    <a:lstStyle/>
+                    <a:p>
+                      <a:r>
+                        <a:rPr lang="de-CH" sz="1200" dirty="0">
+                          <a:hlinkClick r:id="rId2"/>
+                        </a:rPr>
+                        <a:t>draft-ietf-netconf-notif-envelope-03</a:t>
+                      </a:r>
+                      <a:endParaRPr lang="de-CH" sz="1200" dirty="0"/>
+                    </a:p>
+                  </a:txBody>
+                  <a:tcPr/>
+                </a:tc>
+                <a:tc>
+                  <a:txBody>
+                    <a:bodyPr/>
+                    <a:lstStyle/>
+                    <a:p>
+                      <a:r>
+                        <a:rPr lang="en-US" sz="1200" dirty="0"/>
+                        <a:t>WG Document (passed working group last call)</a:t>
+                      </a:r>
+                      <a:endParaRPr lang="de-CH" sz="1200" dirty="0"/>
+                    </a:p>
+                  </a:txBody>
+                  <a:tcPr/>
+                </a:tc>
+                <a:tc>
+                  <a:txBody>
+                    <a:bodyPr/>
+                    <a:lstStyle/>
+                    <a:p>
+                      <a:r>
+                        <a:rPr lang="en-US" sz="1200" dirty="0"/>
+                        <a:t>OPSDIR Early review by Joe Clarke *</a:t>
+                      </a:r>
+                    </a:p>
+                    <a:p>
+                      <a:r>
+                        <a:rPr lang="en-US" sz="1200" dirty="0"/>
+                        <a:t>YANGDOCTORS Early review (of -02) by Jürgen Schönwälder</a:t>
+                      </a:r>
+                      <a:endParaRPr lang="de-CH" sz="1200" dirty="0"/>
+                    </a:p>
+                  </a:txBody>
+                  <a:tcPr/>
+                </a:tc>
+                <a:extLst>
+                  <a:ext uri="{0D108BD9-81ED-4DB2-BD59-A6C34878D82A}">
+                    <a16:rowId xmlns:a16="http://schemas.microsoft.com/office/drawing/2014/main" val="881164679"/>
+                  </a:ext>
+                </a:extLst>
+              </a:tr>
+              <a:tr h="370840">
+                <a:tc>
+                  <a:txBody>
+                    <a:bodyPr/>
+                    <a:lstStyle/>
+                    <a:p>
+                      <a:pPr marL="0" marR="0" lvl="0" indent="0" algn="l" defTabSz="914400" rtl="0" eaLnBrk="1" fontAlgn="auto" latinLnBrk="0" hangingPunct="1">
+                        <a:lnSpc>
+                          <a:spcPct val="100000"/>
+                        </a:lnSpc>
+                        <a:spcBef>
+                          <a:spcPts val="0"/>
+                        </a:spcBef>
+                        <a:spcAft>
+                          <a:spcPts val="0"/>
+                        </a:spcAft>
+                        <a:buClrTx/>
+                        <a:buSzTx/>
+                        <a:buFontTx/>
+                        <a:buNone/>
+                        <a:tabLst/>
+                        <a:defRPr/>
+                      </a:pPr>
+                      <a:r>
+                        <a:rPr lang="de-CH" sz="1200" dirty="0"/>
+                        <a:t>NETCONF</a:t>
+                      </a:r>
+                    </a:p>
+                    <a:p>
+                      <a:endParaRPr lang="de-CH" sz="1200" dirty="0"/>
+                    </a:p>
+                  </a:txBody>
+                  <a:tcPr/>
+                </a:tc>
+                <a:tc>
+                  <a:txBody>
+                    <a:bodyPr/>
+                    <a:lstStyle/>
+                    <a:p>
+                      <a:r>
+                        <a:rPr lang="de-CH" sz="1200" dirty="0">
+                          <a:hlinkClick r:id="rId3"/>
+                        </a:rPr>
+                        <a:t>draft-ietf-netconf-yang-library-augmentedby-12</a:t>
+                      </a:r>
+                      <a:endParaRPr lang="de-CH" sz="1200" dirty="0"/>
+                    </a:p>
+                  </a:txBody>
+                  <a:tcPr/>
+                </a:tc>
+                <a:tc>
+                  <a:txBody>
+                    <a:bodyPr/>
+                    <a:lstStyle/>
+                    <a:p>
+                      <a:r>
+                        <a:rPr lang="en-US" sz="1200" dirty="0"/>
+                        <a:t>Submitted to IESG for Publication</a:t>
+                      </a:r>
+                      <a:endParaRPr lang="de-CH" sz="1200" dirty="0"/>
+                    </a:p>
+                  </a:txBody>
+                  <a:tcPr/>
+                </a:tc>
+                <a:tc>
+                  <a:txBody>
+                    <a:bodyPr/>
+                    <a:lstStyle/>
+                    <a:p>
+                      <a:r>
+                        <a:rPr lang="en-US" sz="1200" dirty="0"/>
+                        <a:t>OPSDIR Early review (of -08) by Sheng Jiang</a:t>
+                      </a:r>
+                    </a:p>
+                    <a:p>
+                      <a:r>
+                        <a:rPr lang="en-US" sz="1200" dirty="0"/>
+                        <a:t>YANGDOCTORS Early review (of -07) by Andy Bierman</a:t>
+                      </a:r>
+                      <a:endParaRPr lang="de-CH" sz="1200" dirty="0"/>
+                    </a:p>
+                  </a:txBody>
+                  <a:tcPr/>
+                </a:tc>
+                <a:extLst>
+                  <a:ext uri="{0D108BD9-81ED-4DB2-BD59-A6C34878D82A}">
+                    <a16:rowId xmlns:a16="http://schemas.microsoft.com/office/drawing/2014/main" val="3622679189"/>
+                  </a:ext>
+                </a:extLst>
+              </a:tr>
+              <a:tr h="370840">
+                <a:tc>
+                  <a:txBody>
+                    <a:bodyPr/>
+                    <a:lstStyle/>
+                    <a:p>
+                      <a:pPr marL="0" marR="0" lvl="0" indent="0" algn="l" defTabSz="914400" rtl="0" eaLnBrk="1" fontAlgn="auto" latinLnBrk="0" hangingPunct="1">
+                        <a:lnSpc>
+                          <a:spcPct val="100000"/>
+                        </a:lnSpc>
+                        <a:spcBef>
+                          <a:spcPts val="0"/>
+                        </a:spcBef>
+                        <a:spcAft>
+                          <a:spcPts val="0"/>
+                        </a:spcAft>
+                        <a:buClrTx/>
+                        <a:buSzTx/>
+                        <a:buFontTx/>
+                        <a:buNone/>
+                        <a:tabLst/>
+                        <a:defRPr/>
+                      </a:pPr>
+                      <a:r>
+                        <a:rPr lang="de-CH" sz="1200" dirty="0"/>
+                        <a:t>NETCONF</a:t>
+                      </a:r>
+                    </a:p>
+                    <a:p>
+                      <a:endParaRPr lang="de-CH" sz="1200" dirty="0"/>
+                    </a:p>
+                  </a:txBody>
+                  <a:tcPr/>
+                </a:tc>
+                <a:tc>
+                  <a:txBody>
+                    <a:bodyPr/>
+                    <a:lstStyle/>
+                    <a:p>
+                      <a:r>
+                        <a:rPr lang="de-CH" sz="1200" dirty="0">
+                          <a:hlinkClick r:id="rId4"/>
+                        </a:rPr>
+                        <a:t>draft-ietf-netconf-yang-notifications-versioning-09</a:t>
+                      </a:r>
+                      <a:endParaRPr lang="de-CH" sz="1200" dirty="0"/>
+                    </a:p>
+                  </a:txBody>
+                  <a:tcPr/>
+                </a:tc>
+                <a:tc>
+                  <a:txBody>
+                    <a:bodyPr/>
+                    <a:lstStyle/>
+                    <a:p>
+                      <a:r>
+                        <a:rPr lang="en-US" sz="1200" dirty="0"/>
+                        <a:t>WG Document (request for working group last call at IETF 124)</a:t>
+                      </a:r>
+                      <a:endParaRPr lang="de-CH" sz="1200" dirty="0"/>
+                    </a:p>
+                  </a:txBody>
+                  <a:tcPr/>
+                </a:tc>
+                <a:tc>
+                  <a:txBody>
+                    <a:bodyPr/>
+                    <a:lstStyle/>
+                    <a:p>
+                      <a:r>
+                        <a:rPr lang="en-US" sz="1200" dirty="0"/>
+                        <a:t>YANGDOCTORS Early Review due 2025-10-29 *</a:t>
+                      </a:r>
+                      <a:endParaRPr lang="de-CH" sz="1200" dirty="0"/>
+                    </a:p>
+                  </a:txBody>
+                  <a:tcPr/>
+                </a:tc>
+                <a:extLst>
+                  <a:ext uri="{0D108BD9-81ED-4DB2-BD59-A6C34878D82A}">
+                    <a16:rowId xmlns:a16="http://schemas.microsoft.com/office/drawing/2014/main" val="2698055554"/>
+                  </a:ext>
+                </a:extLst>
+              </a:tr>
+              <a:tr h="370840">
+                <a:tc>
+                  <a:txBody>
+                    <a:bodyPr/>
+                    <a:lstStyle/>
+                    <a:p>
+                      <a:pPr marL="0" marR="0" lvl="0" indent="0" algn="l" defTabSz="914400" rtl="0" eaLnBrk="1" fontAlgn="auto" latinLnBrk="0" hangingPunct="1">
+                        <a:lnSpc>
+                          <a:spcPct val="100000"/>
+                        </a:lnSpc>
+                        <a:spcBef>
+                          <a:spcPts val="0"/>
+                        </a:spcBef>
+                        <a:spcAft>
+                          <a:spcPts val="0"/>
+                        </a:spcAft>
+                        <a:buClrTx/>
+                        <a:buSzTx/>
+                        <a:buFontTx/>
+                        <a:buNone/>
+                        <a:tabLst/>
+                        <a:defRPr/>
+                      </a:pPr>
+                      <a:r>
+                        <a:rPr lang="de-CH" sz="1200" dirty="0"/>
+                        <a:t>NETCONF</a:t>
+                      </a:r>
+                    </a:p>
+                    <a:p>
+                      <a:endParaRPr lang="de-CH" sz="1200" dirty="0"/>
+                    </a:p>
+                  </a:txBody>
+                  <a:tcPr/>
+                </a:tc>
+                <a:tc>
+                  <a:txBody>
+                    <a:bodyPr/>
+                    <a:lstStyle/>
+                    <a:p>
+                      <a:r>
+                        <a:rPr lang="de-CH" sz="1200" dirty="0">
+                          <a:hlinkClick r:id="rId5"/>
+                        </a:rPr>
+                        <a:t>draft-ietf-netconf-yp-transport-capabilities-05</a:t>
+                      </a:r>
+                      <a:endParaRPr lang="de-CH" sz="1200" dirty="0"/>
+                    </a:p>
+                  </a:txBody>
+                  <a:tcPr/>
+                </a:tc>
+                <a:tc>
+                  <a:txBody>
+                    <a:bodyPr/>
+                    <a:lstStyle/>
+                    <a:p>
+                      <a:r>
+                        <a:rPr lang="en-US" sz="1200" dirty="0"/>
+                        <a:t>Submitted to IESG for Publication </a:t>
+                      </a:r>
+                      <a:endParaRPr lang="de-CH" sz="1200" dirty="0"/>
+                    </a:p>
+                  </a:txBody>
+                  <a:tcPr/>
+                </a:tc>
+                <a:tc>
+                  <a:txBody>
+                    <a:bodyPr/>
+                    <a:lstStyle/>
+                    <a:p>
+                      <a:r>
+                        <a:rPr lang="en-US" sz="1200" dirty="0"/>
+                        <a:t>OPSDIR IETF Last Call review by Xiao Min</a:t>
+                      </a:r>
+                    </a:p>
+                    <a:p>
+                      <a:r>
+                        <a:rPr lang="en-US" sz="1200" dirty="0"/>
+                        <a:t>TSVART IETF Last Call review by Tommy Pauly *</a:t>
+                      </a:r>
+                    </a:p>
+                    <a:p>
+                      <a:r>
+                        <a:rPr lang="en-US" sz="1200" dirty="0"/>
+                        <a:t>YANGDOCTORS IETF Last Call review by Jan Lindblad *</a:t>
+                      </a:r>
+                    </a:p>
+                    <a:p>
+                      <a:r>
+                        <a:rPr lang="en-US" sz="1200" dirty="0"/>
+                        <a:t>OPSDIR Early review (of -03) by Xiao Min</a:t>
+                      </a:r>
+                    </a:p>
+                    <a:p>
+                      <a:r>
+                        <a:rPr lang="en-US" sz="1200" dirty="0"/>
+                        <a:t>YANGDOCTORS Early review (of -01) by Jan Lindblad</a:t>
+                      </a:r>
+                    </a:p>
+                    <a:p>
+                      <a:r>
+                        <a:rPr lang="en-US" sz="1200" dirty="0"/>
+                        <a:t>SECDIR IETF Last Call Review due 2025-10-18</a:t>
+                      </a:r>
+                      <a:endParaRPr lang="de-CH" sz="1200" dirty="0"/>
+                    </a:p>
+                  </a:txBody>
+                  <a:tcPr/>
+                </a:tc>
+                <a:extLst>
+                  <a:ext uri="{0D108BD9-81ED-4DB2-BD59-A6C34878D82A}">
+                    <a16:rowId xmlns:a16="http://schemas.microsoft.com/office/drawing/2014/main" val="2744993052"/>
+                  </a:ext>
+                </a:extLst>
+              </a:tr>
+              <a:tr h="370840">
+                <a:tc>
+                  <a:txBody>
+                    <a:bodyPr/>
+                    <a:lstStyle/>
+                    <a:p>
+                      <a:r>
+                        <a:rPr lang="de-CH" sz="1200" dirty="0"/>
+                        <a:t>NMOP</a:t>
+                      </a:r>
+                    </a:p>
+                  </a:txBody>
+                  <a:tcPr/>
+                </a:tc>
+                <a:tc>
+                  <a:txBody>
+                    <a:bodyPr/>
+                    <a:lstStyle/>
+                    <a:p>
+                      <a:r>
+                        <a:rPr lang="de-CH" sz="1200" dirty="0">
+                          <a:hlinkClick r:id="rId6"/>
+                        </a:rPr>
+                        <a:t>draft-ietf-nmop-yang-message-broker-integration-09</a:t>
+                      </a:r>
+                      <a:endParaRPr lang="de-CH" sz="1200" dirty="0"/>
+                    </a:p>
+                  </a:txBody>
+                  <a:tcPr/>
+                </a:tc>
+                <a:tc>
+                  <a:txBody>
+                    <a:bodyPr/>
+                    <a:lstStyle/>
+                    <a:p>
+                      <a:r>
+                        <a:rPr lang="en-US" sz="1200" dirty="0"/>
+                        <a:t>WG Document (request for working group last call at IETF 124)</a:t>
+                      </a:r>
+                      <a:endParaRPr lang="de-CH" sz="1200" dirty="0"/>
+                    </a:p>
+                  </a:txBody>
+                  <a:tcPr/>
+                </a:tc>
+                <a:tc>
+                  <a:txBody>
+                    <a:bodyPr/>
+                    <a:lstStyle/>
+                    <a:p>
+                      <a:endParaRPr lang="de-CH" sz="1200" dirty="0"/>
+                    </a:p>
+                  </a:txBody>
+                  <a:tcPr/>
+                </a:tc>
+                <a:extLst>
+                  <a:ext uri="{0D108BD9-81ED-4DB2-BD59-A6C34878D82A}">
+                    <a16:rowId xmlns:a16="http://schemas.microsoft.com/office/drawing/2014/main" val="2665303605"/>
+                  </a:ext>
+                </a:extLst>
+              </a:tr>
+              <a:tr h="370840">
+                <a:tc>
+                  <a:txBody>
+                    <a:bodyPr/>
+                    <a:lstStyle/>
+                    <a:p>
+                      <a:r>
+                        <a:rPr lang="de-CH" sz="1200" dirty="0"/>
+                        <a:t>NMOP</a:t>
+                      </a:r>
+                    </a:p>
+                  </a:txBody>
+                  <a:tcPr/>
+                </a:tc>
+                <a:tc>
+                  <a:txBody>
+                    <a:bodyPr/>
+                    <a:lstStyle/>
+                    <a:p>
+                      <a:r>
+                        <a:rPr lang="de-CH" sz="1200" dirty="0">
+                          <a:hlinkClick r:id="rId7"/>
+                        </a:rPr>
+                        <a:t>draft-ietf-nmop-message-broker-telemetry-message-03</a:t>
+                      </a:r>
+                      <a:endParaRPr lang="de-CH" sz="1200" dirty="0"/>
+                    </a:p>
+                  </a:txBody>
+                  <a:tcPr/>
+                </a:tc>
+                <a:tc>
+                  <a:txBody>
+                    <a:bodyPr/>
+                    <a:lstStyle/>
+                    <a:p>
+                      <a:r>
+                        <a:rPr lang="en-US" sz="1200" dirty="0"/>
+                        <a:t>WG Document (request for working group last call at IETF 125)</a:t>
+                      </a:r>
+                      <a:endParaRPr lang="de-CH" sz="1200" dirty="0"/>
+                    </a:p>
+                  </a:txBody>
+                  <a:tcPr/>
+                </a:tc>
+                <a:tc>
+                  <a:txBody>
+                    <a:bodyPr/>
+                    <a:lstStyle/>
+                    <a:p>
+                      <a:r>
+                        <a:rPr lang="en-US" sz="1200" dirty="0"/>
+                        <a:t>YANGDOCTORS Early review (of -02) by Martin Björklund</a:t>
+                      </a:r>
+                      <a:endParaRPr lang="de-CH" sz="1200" dirty="0"/>
+                    </a:p>
+                  </a:txBody>
+                  <a:tcPr/>
+                </a:tc>
+                <a:extLst>
+                  <a:ext uri="{0D108BD9-81ED-4DB2-BD59-A6C34878D82A}">
+                    <a16:rowId xmlns:a16="http://schemas.microsoft.com/office/drawing/2014/main" val="157176843"/>
+                  </a:ext>
+                </a:extLst>
+              </a:tr>
+            </a:tbl>
+          </a:graphicData>
+        </a:graphic>
+      </p:graphicFrame>
+      <p:sp>
+        <p:nvSpPr>
+          <p:cNvPr id="11" name="Content Placeholder 2">
+            <a:extLst>
+              <a:ext uri="{FF2B5EF4-FFF2-40B4-BE49-F238E27FC236}">
+                <a16:creationId xmlns:a16="http://schemas.microsoft.com/office/drawing/2014/main" id="{CF87792E-D2F9-941B-C564-FFA7FE8DB78D}"/>
+              </a:ext>
+            </a:extLst>
+          </p:cNvPr>
+          <p:cNvSpPr>
+            <a:spLocks noGrp="1"/>
+          </p:cNvSpPr>
+          <p:nvPr>
+            <p:ph idx="1"/>
+          </p:nvPr>
+        </p:nvSpPr>
+        <p:spPr>
+          <a:xfrm>
+            <a:off x="838199" y="6310313"/>
+            <a:ext cx="11008359" cy="283528"/>
+          </a:xfrm>
+        </p:spPr>
+        <p:txBody>
+          <a:bodyPr>
+            <a:noAutofit/>
+          </a:bodyPr>
+          <a:lstStyle/>
+          <a:p>
+            <a:pPr marL="0" indent="0">
+              <a:buNone/>
+            </a:pPr>
+            <a:r>
+              <a:rPr lang="en-US" sz="1200" dirty="0">
+                <a:latin typeface="Calibri Body"/>
+              </a:rPr>
+              <a:t>* = Currently Ongoing</a:t>
+            </a:r>
+            <a:endParaRPr lang="en-US" sz="1200" b="1" dirty="0">
+              <a:solidFill>
+                <a:srgbClr val="FF0000"/>
+              </a:solidFill>
+              <a:latin typeface="Calibri Body"/>
+            </a:endParaRPr>
+          </a:p>
+        </p:txBody>
+      </p:sp>
+    </p:spTree>
+    <p:extLst>
+      <p:ext uri="{BB962C8B-B14F-4D97-AF65-F5344CB8AC3E}">
+        <p14:creationId xmlns:p14="http://schemas.microsoft.com/office/powerpoint/2010/main" val="1877027452"/>
+      </p:ext>
+    </p:extLst>
+  </p:cSld>
+  <p:clrMapOvr>
+    <a:masterClrMapping/>
+  </p:clrMapOvr>
+</p:sld>
+</file>
+
+<file path=ppt/slides/slide7.xml><?xml version="1.0" encoding="utf-8"?>
+<p:sld xmlns:a="http://schemas.openxmlformats.org/drawingml/2006/main" xmlns:r="http://schemas.openxmlformats.org/officeDocument/2006/relationships" xmlns:p="http://schemas.openxmlformats.org/presentationml/2006/main">
+  <p:cSld>
+    <p:spTree>
+      <p:nvGrpSpPr>
+        <p:cNvPr id="1" name="">
+          <a:extLst>
+            <a:ext uri="{FF2B5EF4-FFF2-40B4-BE49-F238E27FC236}">
+              <a16:creationId xmlns:a16="http://schemas.microsoft.com/office/drawing/2014/main" id="{FC9DB363-D8A8-5600-4493-8EBF33E93FCE}"/>
+            </a:ext>
+          </a:extLst>
+        </p:cNvPr>
+        <p:cNvGrpSpPr/>
+        <p:nvPr/>
+      </p:nvGrpSpPr>
+      <p:grpSpPr>
+        <a:xfrm>
+          <a:off x="0" y="0"/>
+          <a:ext cx="0" cy="0"/>
+          <a:chOff x="0" y="0"/>
+          <a:chExt cx="0" cy="0"/>
+        </a:xfrm>
+      </p:grpSpPr>
+      <p:sp>
+        <p:nvSpPr>
+          <p:cNvPr id="2" name="Title 1">
+            <a:extLst>
+              <a:ext uri="{FF2B5EF4-FFF2-40B4-BE49-F238E27FC236}">
+                <a16:creationId xmlns:a16="http://schemas.microsoft.com/office/drawing/2014/main" id="{237B38BF-943B-E87B-35FF-EC15CB8E47A9}"/>
+              </a:ext>
+            </a:extLst>
+          </p:cNvPr>
+          <p:cNvSpPr>
+            <a:spLocks noGrp="1"/>
+          </p:cNvSpPr>
+          <p:nvPr>
+            <p:ph type="title"/>
+          </p:nvPr>
+        </p:nvSpPr>
+        <p:spPr/>
+        <p:txBody>
+          <a:bodyPr>
+            <a:normAutofit/>
+          </a:bodyPr>
+          <a:lstStyle/>
+          <a:p>
+            <a:r>
+              <a:rPr lang="en-US" sz="2800" b="1" dirty="0"/>
+              <a:t>An Architecture for YANG-Push to Message Broker Integration</a:t>
+            </a:r>
+            <a:br>
+              <a:rPr lang="en-US" sz="3600" dirty="0"/>
+            </a:br>
+            <a:r>
+              <a:rPr lang="en-US" sz="2700" dirty="0">
+                <a:solidFill>
+                  <a:schemeClr val="bg2">
+                    <a:lumMod val="75000"/>
+                  </a:schemeClr>
+                </a:solidFill>
+              </a:rPr>
+              <a:t>Informative References, State and Reviewers</a:t>
+            </a:r>
+          </a:p>
+        </p:txBody>
+      </p:sp>
+      <p:sp>
+        <p:nvSpPr>
+          <p:cNvPr id="8" name="Slide Number Placeholder 1">
+            <a:extLst>
+              <a:ext uri="{FF2B5EF4-FFF2-40B4-BE49-F238E27FC236}">
+                <a16:creationId xmlns:a16="http://schemas.microsoft.com/office/drawing/2014/main" id="{2B59FCFE-20E3-BD78-B5F4-C48AB55E6255}"/>
+              </a:ext>
+            </a:extLst>
+          </p:cNvPr>
+          <p:cNvSpPr>
+            <a:spLocks noGrp="1"/>
+          </p:cNvSpPr>
+          <p:nvPr>
+            <p:ph type="sldNum" sz="quarter" idx="12"/>
+          </p:nvPr>
+        </p:nvSpPr>
+        <p:spPr>
+          <a:xfrm>
+            <a:off x="11587892" y="6361637"/>
+            <a:ext cx="414251" cy="365125"/>
+          </a:xfrm>
+        </p:spPr>
+        <p:txBody>
+          <a:bodyPr/>
+          <a:lstStyle/>
+          <a:p>
+            <a:fld id="{FC4AC485-25DE-431E-B345-9C0A15BB7F8A}" type="slidenum">
+              <a:rPr lang="en-US" sz="1400" smtClean="0"/>
+              <a:t>7</a:t>
+            </a:fld>
+            <a:endParaRPr lang="en-US" sz="1400" dirty="0"/>
+          </a:p>
+        </p:txBody>
+      </p:sp>
+      <p:graphicFrame>
+        <p:nvGraphicFramePr>
+          <p:cNvPr id="6" name="Table 5">
+            <a:extLst>
+              <a:ext uri="{FF2B5EF4-FFF2-40B4-BE49-F238E27FC236}">
+                <a16:creationId xmlns:a16="http://schemas.microsoft.com/office/drawing/2014/main" id="{4E7CEF41-5DBF-BE8C-3E2D-7F5D56B757D3}"/>
+              </a:ext>
+            </a:extLst>
+          </p:cNvPr>
+          <p:cNvGraphicFramePr>
+            <a:graphicFrameLocks noGrp="1"/>
+          </p:cNvGraphicFramePr>
+          <p:nvPr>
+            <p:extLst>
+              <p:ext uri="{D42A27DB-BD31-4B8C-83A1-F6EECF244321}">
+                <p14:modId xmlns:p14="http://schemas.microsoft.com/office/powerpoint/2010/main" val="1670984640"/>
+              </p:ext>
+            </p:extLst>
+          </p:nvPr>
+        </p:nvGraphicFramePr>
+        <p:xfrm>
+          <a:off x="919480" y="1601359"/>
+          <a:ext cx="10927079" cy="4038600"/>
+        </p:xfrm>
+        <a:graphic>
+          <a:graphicData uri="http://schemas.openxmlformats.org/drawingml/2006/table">
+            <a:tbl>
+              <a:tblPr firstRow="1" bandRow="1">
+                <a:tableStyleId>{C083E6E3-FA7D-4D7B-A595-EF9225AFEA82}</a:tableStyleId>
+              </a:tblPr>
+              <a:tblGrid>
+                <a:gridCol w="1753468">
+                  <a:extLst>
+                    <a:ext uri="{9D8B030D-6E8A-4147-A177-3AD203B41FA5}">
+                      <a16:colId xmlns:a16="http://schemas.microsoft.com/office/drawing/2014/main" val="862637982"/>
+                    </a:ext>
+                  </a:extLst>
+                </a:gridCol>
+                <a:gridCol w="3725470">
+                  <a:extLst>
+                    <a:ext uri="{9D8B030D-6E8A-4147-A177-3AD203B41FA5}">
+                      <a16:colId xmlns:a16="http://schemas.microsoft.com/office/drawing/2014/main" val="3802101120"/>
+                    </a:ext>
+                  </a:extLst>
+                </a:gridCol>
+                <a:gridCol w="1893954">
+                  <a:extLst>
+                    <a:ext uri="{9D8B030D-6E8A-4147-A177-3AD203B41FA5}">
+                      <a16:colId xmlns:a16="http://schemas.microsoft.com/office/drawing/2014/main" val="2584922424"/>
+                    </a:ext>
+                  </a:extLst>
+                </a:gridCol>
+                <a:gridCol w="3554187">
+                  <a:extLst>
+                    <a:ext uri="{9D8B030D-6E8A-4147-A177-3AD203B41FA5}">
+                      <a16:colId xmlns:a16="http://schemas.microsoft.com/office/drawing/2014/main" val="3508605202"/>
+                    </a:ext>
+                  </a:extLst>
+                </a:gridCol>
+              </a:tblGrid>
+              <a:tr h="370840">
+                <a:tc>
+                  <a:txBody>
+                    <a:bodyPr/>
+                    <a:lstStyle/>
+                    <a:p>
+                      <a:r>
+                        <a:rPr lang="de-CH" dirty="0"/>
+                        <a:t>Working Group</a:t>
+                      </a:r>
+                    </a:p>
+                  </a:txBody>
+                  <a:tcPr/>
+                </a:tc>
+                <a:tc>
+                  <a:txBody>
+                    <a:bodyPr/>
+                    <a:lstStyle/>
+                    <a:p>
+                      <a:r>
+                        <a:rPr lang="de-CH" dirty="0" err="1"/>
+                        <a:t>Document</a:t>
+                      </a:r>
+                      <a:r>
+                        <a:rPr lang="de-CH" dirty="0"/>
+                        <a:t> Name</a:t>
+                      </a:r>
+                    </a:p>
+                  </a:txBody>
+                  <a:tcPr/>
+                </a:tc>
+                <a:tc>
+                  <a:txBody>
+                    <a:bodyPr/>
+                    <a:lstStyle/>
+                    <a:p>
+                      <a:r>
+                        <a:rPr lang="de-CH" dirty="0" err="1"/>
+                        <a:t>Document</a:t>
+                      </a:r>
+                      <a:r>
+                        <a:rPr lang="de-CH" dirty="0"/>
+                        <a:t> State</a:t>
+                      </a:r>
+                    </a:p>
+                  </a:txBody>
+                  <a:tcPr/>
+                </a:tc>
+                <a:tc>
+                  <a:txBody>
+                    <a:bodyPr/>
+                    <a:lstStyle/>
+                    <a:p>
+                      <a:r>
+                        <a:rPr lang="de-CH" dirty="0"/>
+                        <a:t>Reviews</a:t>
+                      </a:r>
+                    </a:p>
+                  </a:txBody>
+                  <a:tcPr/>
+                </a:tc>
+                <a:extLst>
+                  <a:ext uri="{0D108BD9-81ED-4DB2-BD59-A6C34878D82A}">
+                    <a16:rowId xmlns:a16="http://schemas.microsoft.com/office/drawing/2014/main" val="4040162611"/>
+                  </a:ext>
+                </a:extLst>
+              </a:tr>
+              <a:tr h="370840">
+                <a:tc>
+                  <a:txBody>
+                    <a:bodyPr/>
+                    <a:lstStyle/>
+                    <a:p>
+                      <a:r>
+                        <a:rPr lang="de-CH" sz="1200" dirty="0"/>
+                        <a:t>NETCONF</a:t>
+                      </a:r>
+                    </a:p>
+                  </a:txBody>
+                  <a:tcPr/>
+                </a:tc>
+                <a:tc>
+                  <a:txBody>
+                    <a:bodyPr/>
+                    <a:lstStyle/>
+                    <a:p>
+                      <a:r>
+                        <a:rPr lang="de-CH" sz="1200" dirty="0">
+                          <a:hlinkClick r:id="rId2"/>
+                        </a:rPr>
+                        <a:t>draft-ietf-netconf-udp-notif-23</a:t>
+                      </a:r>
+                      <a:endParaRPr lang="de-CH" sz="1200" dirty="0"/>
+                    </a:p>
+                  </a:txBody>
+                  <a:tcPr/>
+                </a:tc>
+                <a:tc>
+                  <a:txBody>
+                    <a:bodyPr/>
+                    <a:lstStyle/>
+                    <a:p>
+                      <a:r>
+                        <a:rPr lang="en-US" sz="1200" dirty="0"/>
+                        <a:t>WG Consensus: Waiting for Write-Up</a:t>
+                      </a:r>
+                      <a:endParaRPr lang="de-CH" sz="1200" dirty="0"/>
+                    </a:p>
+                  </a:txBody>
+                  <a:tcPr/>
+                </a:tc>
+                <a:tc>
+                  <a:txBody>
+                    <a:bodyPr/>
+                    <a:lstStyle/>
+                    <a:p>
+                      <a:r>
+                        <a:rPr lang="en-US" sz="1200" dirty="0"/>
+                        <a:t>OPSDIR Early review (of -21) by Tina Tsou</a:t>
+                      </a:r>
+                    </a:p>
+                    <a:p>
+                      <a:r>
+                        <a:rPr lang="en-US" sz="1200" dirty="0"/>
+                        <a:t>YANGDOCTORS Early review (of -20) by Jürgen Schönwälder</a:t>
+                      </a:r>
+                    </a:p>
+                    <a:p>
+                      <a:r>
+                        <a:rPr lang="en-US" sz="1200" dirty="0"/>
+                        <a:t>TSVART Early review (of -11) by Michael </a:t>
+                      </a:r>
+                      <a:r>
+                        <a:rPr lang="en-US" sz="1200" dirty="0" err="1"/>
+                        <a:t>Tüxen</a:t>
+                      </a:r>
+                      <a:endParaRPr lang="en-US" sz="1200" dirty="0"/>
+                    </a:p>
+                    <a:p>
+                      <a:r>
+                        <a:rPr lang="en-US" sz="1200" dirty="0"/>
+                        <a:t>TSVART Early Review due 2025-10-23 *</a:t>
+                      </a:r>
+                    </a:p>
+                  </a:txBody>
+                  <a:tcPr/>
+                </a:tc>
+                <a:extLst>
+                  <a:ext uri="{0D108BD9-81ED-4DB2-BD59-A6C34878D82A}">
+                    <a16:rowId xmlns:a16="http://schemas.microsoft.com/office/drawing/2014/main" val="881164679"/>
+                  </a:ext>
+                </a:extLst>
+              </a:tr>
+              <a:tr h="370840">
+                <a:tc>
+                  <a:txBody>
+                    <a:bodyPr/>
+                    <a:lstStyle/>
+                    <a:p>
+                      <a:pPr marL="0" marR="0" lvl="0" indent="0" algn="l" defTabSz="914400" rtl="0" eaLnBrk="1" fontAlgn="auto" latinLnBrk="0" hangingPunct="1">
+                        <a:lnSpc>
+                          <a:spcPct val="100000"/>
+                        </a:lnSpc>
+                        <a:spcBef>
+                          <a:spcPts val="0"/>
+                        </a:spcBef>
+                        <a:spcAft>
+                          <a:spcPts val="0"/>
+                        </a:spcAft>
+                        <a:buClrTx/>
+                        <a:buSzTx/>
+                        <a:buFontTx/>
+                        <a:buNone/>
+                        <a:tabLst/>
+                        <a:defRPr/>
+                      </a:pPr>
+                      <a:r>
+                        <a:rPr lang="de-CH" sz="1200" dirty="0"/>
+                        <a:t>NETCONF</a:t>
+                      </a:r>
+                    </a:p>
+                    <a:p>
+                      <a:endParaRPr lang="de-CH" sz="1200" dirty="0"/>
+                    </a:p>
+                  </a:txBody>
+                  <a:tcPr/>
+                </a:tc>
+                <a:tc>
+                  <a:txBody>
+                    <a:bodyPr/>
+                    <a:lstStyle/>
+                    <a:p>
+                      <a:r>
+                        <a:rPr lang="de-CH" sz="1200" dirty="0">
+                          <a:hlinkClick r:id="rId3"/>
+                        </a:rPr>
+                        <a:t>draft-ietf-netconf-udp-client-server-08</a:t>
+                      </a:r>
+                      <a:endParaRPr lang="de-CH" sz="1200" dirty="0"/>
+                    </a:p>
+                  </a:txBody>
+                  <a:tcPr/>
+                </a:tc>
+                <a:tc>
+                  <a:txBody>
+                    <a:bodyPr/>
+                    <a:lstStyle/>
+                    <a:p>
+                      <a:r>
+                        <a:rPr lang="en-US" sz="1200" dirty="0"/>
+                        <a:t>Publication Requested </a:t>
+                      </a:r>
+                      <a:endParaRPr lang="de-CH" sz="1200" dirty="0"/>
+                    </a:p>
+                  </a:txBody>
+                  <a:tcPr/>
+                </a:tc>
+                <a:tc>
+                  <a:txBody>
+                    <a:bodyPr/>
+                    <a:lstStyle/>
+                    <a:p>
+                      <a:r>
+                        <a:rPr lang="en-US" sz="1200" dirty="0"/>
+                        <a:t>OPSDIR Early review (of -07) by Ran Chen</a:t>
+                      </a:r>
+                    </a:p>
+                    <a:p>
+                      <a:r>
+                        <a:rPr lang="en-US" sz="1200" dirty="0"/>
+                        <a:t>TSVART Early review (of -06) by Joerg Ott </a:t>
+                      </a:r>
+                    </a:p>
+                    <a:p>
+                      <a:r>
+                        <a:rPr lang="en-US" sz="1200" dirty="0"/>
+                        <a:t>YANGDOCTORS Early review (of -06) by Jürgen Schönwälder</a:t>
+                      </a:r>
+                    </a:p>
+                  </a:txBody>
+                  <a:tcPr/>
+                </a:tc>
+                <a:extLst>
+                  <a:ext uri="{0D108BD9-81ED-4DB2-BD59-A6C34878D82A}">
+                    <a16:rowId xmlns:a16="http://schemas.microsoft.com/office/drawing/2014/main" val="3622679189"/>
+                  </a:ext>
+                </a:extLst>
+              </a:tr>
+              <a:tr h="370840">
+                <a:tc>
+                  <a:txBody>
+                    <a:bodyPr/>
+                    <a:lstStyle/>
+                    <a:p>
+                      <a:pPr marL="0" marR="0" lvl="0" indent="0" algn="l" defTabSz="914400" rtl="0" eaLnBrk="1" fontAlgn="auto" latinLnBrk="0" hangingPunct="1">
+                        <a:lnSpc>
+                          <a:spcPct val="100000"/>
+                        </a:lnSpc>
+                        <a:spcBef>
+                          <a:spcPts val="0"/>
+                        </a:spcBef>
+                        <a:spcAft>
+                          <a:spcPts val="0"/>
+                        </a:spcAft>
+                        <a:buClrTx/>
+                        <a:buSzTx/>
+                        <a:buFontTx/>
+                        <a:buNone/>
+                        <a:tabLst/>
+                        <a:defRPr/>
+                      </a:pPr>
+                      <a:r>
+                        <a:rPr lang="de-CH" sz="1200" dirty="0"/>
+                        <a:t>NETCONF</a:t>
+                      </a:r>
+                    </a:p>
+                    <a:p>
+                      <a:endParaRPr lang="de-CH" sz="1200" dirty="0"/>
+                    </a:p>
+                  </a:txBody>
+                  <a:tcPr/>
+                </a:tc>
+                <a:tc>
+                  <a:txBody>
+                    <a:bodyPr/>
+                    <a:lstStyle/>
+                    <a:p>
+                      <a:r>
+                        <a:rPr lang="de-CH" sz="1200" dirty="0">
+                          <a:hlinkClick r:id="rId4"/>
+                        </a:rPr>
+                        <a:t>draft-ietf-netconf-distributed-notif-16</a:t>
+                      </a:r>
+                      <a:endParaRPr lang="de-CH" sz="1200" dirty="0"/>
+                    </a:p>
+                  </a:txBody>
+                  <a:tcPr/>
+                </a:tc>
+                <a:tc>
+                  <a:txBody>
+                    <a:bodyPr/>
+                    <a:lstStyle/>
+                    <a:p>
+                      <a:r>
+                        <a:rPr lang="en-US" sz="1200" dirty="0"/>
+                        <a:t>Waiting for WG Chair Go-Ahead </a:t>
+                      </a:r>
+                      <a:endParaRPr lang="de-CH" sz="1200" dirty="0"/>
+                    </a:p>
+                  </a:txBody>
+                  <a:tcPr/>
+                </a:tc>
+                <a:tc>
+                  <a:txBody>
+                    <a:bodyPr/>
+                    <a:lstStyle/>
+                    <a:p>
+                      <a:r>
+                        <a:rPr lang="en-US" sz="1200" dirty="0"/>
+                        <a:t>OPSDIR Early review (of -14) by Jürgen Schönwälder</a:t>
+                      </a:r>
+                    </a:p>
+                    <a:p>
+                      <a:r>
+                        <a:rPr lang="en-US" sz="1200" dirty="0"/>
+                        <a:t>YANGDOCTORS Early review (of -13) by Martin Björklund </a:t>
+                      </a:r>
+                      <a:endParaRPr lang="de-CH" sz="1200" dirty="0"/>
+                    </a:p>
+                  </a:txBody>
+                  <a:tcPr/>
+                </a:tc>
+                <a:extLst>
+                  <a:ext uri="{0D108BD9-81ED-4DB2-BD59-A6C34878D82A}">
+                    <a16:rowId xmlns:a16="http://schemas.microsoft.com/office/drawing/2014/main" val="2698055554"/>
+                  </a:ext>
+                </a:extLst>
+              </a:tr>
+              <a:tr h="370840">
+                <a:tc>
+                  <a:txBody>
+                    <a:bodyPr/>
+                    <a:lstStyle/>
+                    <a:p>
+                      <a:pPr marL="0" marR="0" lvl="0" indent="0" algn="l" defTabSz="914400" rtl="0" eaLnBrk="1" fontAlgn="auto" latinLnBrk="0" hangingPunct="1">
+                        <a:lnSpc>
+                          <a:spcPct val="100000"/>
+                        </a:lnSpc>
+                        <a:spcBef>
+                          <a:spcPts val="0"/>
+                        </a:spcBef>
+                        <a:spcAft>
+                          <a:spcPts val="0"/>
+                        </a:spcAft>
+                        <a:buClrTx/>
+                        <a:buSzTx/>
+                        <a:buFontTx/>
+                        <a:buNone/>
+                        <a:tabLst/>
+                        <a:defRPr/>
+                      </a:pPr>
+                      <a:r>
+                        <a:rPr lang="de-CH" sz="1200" dirty="0"/>
+                        <a:t>NETMOD</a:t>
+                      </a:r>
+                    </a:p>
+                    <a:p>
+                      <a:endParaRPr lang="de-CH" sz="1200" dirty="0"/>
+                    </a:p>
+                  </a:txBody>
+                  <a:tcPr/>
+                </a:tc>
+                <a:tc>
+                  <a:txBody>
+                    <a:bodyPr/>
+                    <a:lstStyle/>
+                    <a:p>
+                      <a:r>
+                        <a:rPr lang="de-CH" sz="1200" dirty="0">
+                          <a:hlinkClick r:id="rId5"/>
+                        </a:rPr>
+                        <a:t>draft-netana-nmop-yang-anydata-validation-01</a:t>
+                      </a:r>
+                      <a:endParaRPr lang="de-CH" sz="1200" dirty="0"/>
+                    </a:p>
+                  </a:txBody>
+                  <a:tcPr/>
+                </a:tc>
+                <a:tc>
+                  <a:txBody>
+                    <a:bodyPr/>
+                    <a:lstStyle/>
+                    <a:p>
+                      <a:r>
+                        <a:rPr lang="en-US" sz="1200" dirty="0"/>
+                        <a:t>Individual Document</a:t>
+                      </a:r>
+                      <a:endParaRPr lang="de-CH" sz="1200" dirty="0"/>
+                    </a:p>
+                  </a:txBody>
+                  <a:tcPr/>
+                </a:tc>
+                <a:tc>
+                  <a:txBody>
+                    <a:bodyPr/>
+                    <a:lstStyle/>
+                    <a:p>
+                      <a:endParaRPr lang="de-CH" sz="1200" dirty="0"/>
+                    </a:p>
+                  </a:txBody>
+                  <a:tcPr/>
+                </a:tc>
+                <a:extLst>
+                  <a:ext uri="{0D108BD9-81ED-4DB2-BD59-A6C34878D82A}">
+                    <a16:rowId xmlns:a16="http://schemas.microsoft.com/office/drawing/2014/main" val="2744993052"/>
+                  </a:ext>
+                </a:extLst>
+              </a:tr>
+              <a:tr h="370840">
+                <a:tc>
+                  <a:txBody>
+                    <a:bodyPr/>
+                    <a:lstStyle/>
+                    <a:p>
+                      <a:endParaRPr lang="de-CH" sz="1200" dirty="0"/>
+                    </a:p>
+                  </a:txBody>
+                  <a:tcPr/>
+                </a:tc>
+                <a:tc>
+                  <a:txBody>
+                    <a:bodyPr/>
+                    <a:lstStyle/>
+                    <a:p>
+                      <a:endParaRPr lang="de-CH" sz="1200" dirty="0"/>
+                    </a:p>
+                  </a:txBody>
+                  <a:tcPr/>
+                </a:tc>
+                <a:tc>
+                  <a:txBody>
+                    <a:bodyPr/>
+                    <a:lstStyle/>
+                    <a:p>
+                      <a:endParaRPr lang="de-CH" sz="1200" dirty="0"/>
+                    </a:p>
+                  </a:txBody>
+                  <a:tcPr/>
+                </a:tc>
+                <a:tc>
+                  <a:txBody>
+                    <a:bodyPr/>
+                    <a:lstStyle/>
+                    <a:p>
+                      <a:endParaRPr lang="de-CH" sz="1200" dirty="0"/>
+                    </a:p>
+                  </a:txBody>
+                  <a:tcPr/>
+                </a:tc>
+                <a:extLst>
+                  <a:ext uri="{0D108BD9-81ED-4DB2-BD59-A6C34878D82A}">
+                    <a16:rowId xmlns:a16="http://schemas.microsoft.com/office/drawing/2014/main" val="2665303605"/>
+                  </a:ext>
+                </a:extLst>
+              </a:tr>
+              <a:tr h="370840">
+                <a:tc>
+                  <a:txBody>
+                    <a:bodyPr/>
+                    <a:lstStyle/>
+                    <a:p>
+                      <a:endParaRPr lang="de-CH" sz="1200" dirty="0"/>
+                    </a:p>
+                  </a:txBody>
+                  <a:tcPr/>
+                </a:tc>
+                <a:tc>
+                  <a:txBody>
+                    <a:bodyPr/>
+                    <a:lstStyle/>
+                    <a:p>
+                      <a:endParaRPr lang="de-CH" sz="1200" dirty="0"/>
+                    </a:p>
+                  </a:txBody>
+                  <a:tcPr/>
+                </a:tc>
+                <a:tc>
+                  <a:txBody>
+                    <a:bodyPr/>
+                    <a:lstStyle/>
+                    <a:p>
+                      <a:endParaRPr lang="de-CH" sz="1200" dirty="0"/>
+                    </a:p>
+                  </a:txBody>
+                  <a:tcPr/>
+                </a:tc>
+                <a:tc>
+                  <a:txBody>
+                    <a:bodyPr/>
+                    <a:lstStyle/>
+                    <a:p>
+                      <a:endParaRPr lang="de-CH" sz="1200" dirty="0"/>
+                    </a:p>
+                  </a:txBody>
+                  <a:tcPr/>
+                </a:tc>
+                <a:extLst>
+                  <a:ext uri="{0D108BD9-81ED-4DB2-BD59-A6C34878D82A}">
+                    <a16:rowId xmlns:a16="http://schemas.microsoft.com/office/drawing/2014/main" val="157176843"/>
+                  </a:ext>
+                </a:extLst>
+              </a:tr>
+            </a:tbl>
+          </a:graphicData>
+        </a:graphic>
+      </p:graphicFrame>
+      <p:sp>
+        <p:nvSpPr>
+          <p:cNvPr id="11" name="Content Placeholder 2">
+            <a:extLst>
+              <a:ext uri="{FF2B5EF4-FFF2-40B4-BE49-F238E27FC236}">
+                <a16:creationId xmlns:a16="http://schemas.microsoft.com/office/drawing/2014/main" id="{5214FD9D-0CC4-FBBB-E1C6-B862B51697A9}"/>
+              </a:ext>
+            </a:extLst>
+          </p:cNvPr>
+          <p:cNvSpPr>
+            <a:spLocks noGrp="1"/>
+          </p:cNvSpPr>
+          <p:nvPr>
+            <p:ph idx="1"/>
+          </p:nvPr>
+        </p:nvSpPr>
+        <p:spPr>
+          <a:xfrm>
+            <a:off x="838199" y="6310313"/>
+            <a:ext cx="11008359" cy="283528"/>
+          </a:xfrm>
+        </p:spPr>
+        <p:txBody>
+          <a:bodyPr>
+            <a:noAutofit/>
+          </a:bodyPr>
+          <a:lstStyle/>
+          <a:p>
+            <a:pPr marL="0" indent="0">
+              <a:buNone/>
+            </a:pPr>
+            <a:r>
+              <a:rPr lang="en-US" sz="1200" dirty="0">
+                <a:latin typeface="Calibri Body"/>
+              </a:rPr>
+              <a:t>* = Currently Ongoing</a:t>
+            </a:r>
+            <a:endParaRPr lang="en-US" sz="1200" b="1" dirty="0">
+              <a:solidFill>
+                <a:srgbClr val="FF0000"/>
+              </a:solidFill>
+              <a:latin typeface="Calibri Body"/>
+            </a:endParaRPr>
+          </a:p>
+        </p:txBody>
+      </p:sp>
+    </p:spTree>
+    <p:extLst>
+      <p:ext uri="{BB962C8B-B14F-4D97-AF65-F5344CB8AC3E}">
+        <p14:creationId xmlns:p14="http://schemas.microsoft.com/office/powerpoint/2010/main" val="4476213"/>
       </p:ext>
     </p:extLst>
   </p:cSld>
